--- a/plots/outcome summary.pptx
+++ b/plots/outcome summary.pptx
@@ -2,18 +2,19 @@
 <file path=ppt/presentation.xml><?xml version="1.0" encoding="utf-8"?>
 <p:presentation xmlns:a="http://schemas.openxmlformats.org/drawingml/2006/main" xmlns:r="http://schemas.openxmlformats.org/officeDocument/2006/relationships" xmlns:p="http://schemas.openxmlformats.org/presentationml/2006/main" saveSubsetFonts="1" autoCompressPictures="0">
   <p:sldMasterIdLst>
-    <p:sldMasterId id="2147483648" r:id="rId1"/>
+    <p:sldMasterId id="2147483660" r:id="rId1"/>
   </p:sldMasterIdLst>
   <p:sldIdLst>
     <p:sldId id="256" r:id="rId2"/>
+    <p:sldId id="257" r:id="rId3"/>
   </p:sldIdLst>
-  <p:sldSz cx="12192000" cy="6858000"/>
+  <p:sldSz cx="6858000" cy="6858000"/>
   <p:notesSz cx="6858000" cy="9144000"/>
   <p:defaultTextStyle>
     <a:defPPr>
       <a:defRPr lang="en-US"/>
     </a:defPPr>
-    <a:lvl1pPr marL="0" algn="l" defTabSz="914400" rtl="0" eaLnBrk="1" latinLnBrk="0" hangingPunct="1">
+    <a:lvl1pPr marL="0" algn="l" defTabSz="457200" rtl="0" eaLnBrk="1" latinLnBrk="0" hangingPunct="1">
       <a:defRPr sz="1800" kern="1200">
         <a:solidFill>
           <a:schemeClr val="tx1"/>
@@ -23,7 +24,7 @@
         <a:cs typeface="+mn-cs"/>
       </a:defRPr>
     </a:lvl1pPr>
-    <a:lvl2pPr marL="457200" algn="l" defTabSz="914400" rtl="0" eaLnBrk="1" latinLnBrk="0" hangingPunct="1">
+    <a:lvl2pPr marL="457200" algn="l" defTabSz="457200" rtl="0" eaLnBrk="1" latinLnBrk="0" hangingPunct="1">
       <a:defRPr sz="1800" kern="1200">
         <a:solidFill>
           <a:schemeClr val="tx1"/>
@@ -33,7 +34,7 @@
         <a:cs typeface="+mn-cs"/>
       </a:defRPr>
     </a:lvl2pPr>
-    <a:lvl3pPr marL="914400" algn="l" defTabSz="914400" rtl="0" eaLnBrk="1" latinLnBrk="0" hangingPunct="1">
+    <a:lvl3pPr marL="914400" algn="l" defTabSz="457200" rtl="0" eaLnBrk="1" latinLnBrk="0" hangingPunct="1">
       <a:defRPr sz="1800" kern="1200">
         <a:solidFill>
           <a:schemeClr val="tx1"/>
@@ -43,7 +44,7 @@
         <a:cs typeface="+mn-cs"/>
       </a:defRPr>
     </a:lvl3pPr>
-    <a:lvl4pPr marL="1371600" algn="l" defTabSz="914400" rtl="0" eaLnBrk="1" latinLnBrk="0" hangingPunct="1">
+    <a:lvl4pPr marL="1371600" algn="l" defTabSz="457200" rtl="0" eaLnBrk="1" latinLnBrk="0" hangingPunct="1">
       <a:defRPr sz="1800" kern="1200">
         <a:solidFill>
           <a:schemeClr val="tx1"/>
@@ -53,7 +54,7 @@
         <a:cs typeface="+mn-cs"/>
       </a:defRPr>
     </a:lvl4pPr>
-    <a:lvl5pPr marL="1828800" algn="l" defTabSz="914400" rtl="0" eaLnBrk="1" latinLnBrk="0" hangingPunct="1">
+    <a:lvl5pPr marL="1828800" algn="l" defTabSz="457200" rtl="0" eaLnBrk="1" latinLnBrk="0" hangingPunct="1">
       <a:defRPr sz="1800" kern="1200">
         <a:solidFill>
           <a:schemeClr val="tx1"/>
@@ -63,7 +64,7 @@
         <a:cs typeface="+mn-cs"/>
       </a:defRPr>
     </a:lvl5pPr>
-    <a:lvl6pPr marL="2286000" algn="l" defTabSz="914400" rtl="0" eaLnBrk="1" latinLnBrk="0" hangingPunct="1">
+    <a:lvl6pPr marL="2286000" algn="l" defTabSz="457200" rtl="0" eaLnBrk="1" latinLnBrk="0" hangingPunct="1">
       <a:defRPr sz="1800" kern="1200">
         <a:solidFill>
           <a:schemeClr val="tx1"/>
@@ -73,7 +74,7 @@
         <a:cs typeface="+mn-cs"/>
       </a:defRPr>
     </a:lvl6pPr>
-    <a:lvl7pPr marL="2743200" algn="l" defTabSz="914400" rtl="0" eaLnBrk="1" latinLnBrk="0" hangingPunct="1">
+    <a:lvl7pPr marL="2743200" algn="l" defTabSz="457200" rtl="0" eaLnBrk="1" latinLnBrk="0" hangingPunct="1">
       <a:defRPr sz="1800" kern="1200">
         <a:solidFill>
           <a:schemeClr val="tx1"/>
@@ -83,7 +84,7 @@
         <a:cs typeface="+mn-cs"/>
       </a:defRPr>
     </a:lvl7pPr>
-    <a:lvl8pPr marL="3200400" algn="l" defTabSz="914400" rtl="0" eaLnBrk="1" latinLnBrk="0" hangingPunct="1">
+    <a:lvl8pPr marL="3200400" algn="l" defTabSz="457200" rtl="0" eaLnBrk="1" latinLnBrk="0" hangingPunct="1">
       <a:defRPr sz="1800" kern="1200">
         <a:solidFill>
           <a:schemeClr val="tx1"/>
@@ -93,7 +94,7 @@
         <a:cs typeface="+mn-cs"/>
       </a:defRPr>
     </a:lvl8pPr>
-    <a:lvl9pPr marL="3657600" algn="l" defTabSz="914400" rtl="0" eaLnBrk="1" latinLnBrk="0" hangingPunct="1">
+    <a:lvl9pPr marL="3657600" algn="l" defTabSz="457200" rtl="0" eaLnBrk="1" latinLnBrk="0" hangingPunct="1">
       <a:defRPr sz="1800" kern="1200">
         <a:solidFill>
           <a:schemeClr val="tx1"/>
@@ -126,13 +127,7 @@
       </p:grpSpPr>
       <p:sp>
         <p:nvSpPr>
-          <p:cNvPr id="2" name="Title 1">
-            <a:extLst>
-              <a:ext uri="{FF2B5EF4-FFF2-40B4-BE49-F238E27FC236}">
-                <a16:creationId xmlns:a16="http://schemas.microsoft.com/office/drawing/2014/main" id="{9A1FF73D-AC69-794B-B53B-AF45AC18B9AC}"/>
-              </a:ext>
-            </a:extLst>
-          </p:cNvPr>
+          <p:cNvPr id="2" name="Title 1"/>
           <p:cNvSpPr>
             <a:spLocks noGrp="1"/>
           </p:cNvSpPr>
@@ -142,15 +137,15 @@
         </p:nvSpPr>
         <p:spPr>
           <a:xfrm>
-            <a:off x="1524000" y="1122363"/>
-            <a:ext cx="9144000" cy="2387600"/>
+            <a:off x="514350" y="1122363"/>
+            <a:ext cx="5829300" cy="2387600"/>
           </a:xfrm>
         </p:spPr>
         <p:txBody>
           <a:bodyPr anchor="b"/>
           <a:lstStyle>
             <a:lvl1pPr algn="ctr">
-              <a:defRPr sz="6000"/>
+              <a:defRPr sz="4500"/>
             </a:lvl1pPr>
           </a:lstStyle>
           <a:p>
@@ -158,18 +153,13 @@
               <a:rPr lang="en-US"/>
               <a:t>Click to edit Master title style</a:t>
             </a:r>
-          </a:p>
-        </p:txBody>
-      </p:sp>
-      <p:sp>
-        <p:nvSpPr>
-          <p:cNvPr id="3" name="Subtitle 2">
-            <a:extLst>
-              <a:ext uri="{FF2B5EF4-FFF2-40B4-BE49-F238E27FC236}">
-                <a16:creationId xmlns:a16="http://schemas.microsoft.com/office/drawing/2014/main" id="{56654827-2E44-4346-AF2E-CA405724DA7E}"/>
-              </a:ext>
-            </a:extLst>
-          </p:cNvPr>
+            <a:endParaRPr lang="en-US" dirty="0"/>
+          </a:p>
+        </p:txBody>
+      </p:sp>
+      <p:sp>
+        <p:nvSpPr>
+          <p:cNvPr id="3" name="Subtitle 2"/>
           <p:cNvSpPr>
             <a:spLocks noGrp="1"/>
           </p:cNvSpPr>
@@ -179,8 +169,8 @@
         </p:nvSpPr>
         <p:spPr>
           <a:xfrm>
-            <a:off x="1524000" y="3602038"/>
-            <a:ext cx="9144000" cy="1655762"/>
+            <a:off x="857250" y="3602038"/>
+            <a:ext cx="5143500" cy="1655762"/>
           </a:xfrm>
         </p:spPr>
         <p:txBody>
@@ -188,39 +178,39 @@
           <a:lstStyle>
             <a:lvl1pPr marL="0" indent="0" algn="ctr">
               <a:buNone/>
-              <a:defRPr sz="2400"/>
+              <a:defRPr sz="1800"/>
             </a:lvl1pPr>
-            <a:lvl2pPr marL="457200" indent="0" algn="ctr">
-              <a:buNone/>
-              <a:defRPr sz="2000"/>
+            <a:lvl2pPr marL="342900" indent="0" algn="ctr">
+              <a:buNone/>
+              <a:defRPr sz="1500"/>
             </a:lvl2pPr>
-            <a:lvl3pPr marL="914400" indent="0" algn="ctr">
-              <a:buNone/>
-              <a:defRPr sz="1800"/>
+            <a:lvl3pPr marL="685800" indent="0" algn="ctr">
+              <a:buNone/>
+              <a:defRPr sz="1350"/>
             </a:lvl3pPr>
-            <a:lvl4pPr marL="1371600" indent="0" algn="ctr">
-              <a:buNone/>
-              <a:defRPr sz="1600"/>
+            <a:lvl4pPr marL="1028700" indent="0" algn="ctr">
+              <a:buNone/>
+              <a:defRPr sz="1200"/>
             </a:lvl4pPr>
-            <a:lvl5pPr marL="1828800" indent="0" algn="ctr">
-              <a:buNone/>
-              <a:defRPr sz="1600"/>
+            <a:lvl5pPr marL="1371600" indent="0" algn="ctr">
+              <a:buNone/>
+              <a:defRPr sz="1200"/>
             </a:lvl5pPr>
-            <a:lvl6pPr marL="2286000" indent="0" algn="ctr">
-              <a:buNone/>
-              <a:defRPr sz="1600"/>
+            <a:lvl6pPr marL="1714500" indent="0" algn="ctr">
+              <a:buNone/>
+              <a:defRPr sz="1200"/>
             </a:lvl6pPr>
-            <a:lvl7pPr marL="2743200" indent="0" algn="ctr">
-              <a:buNone/>
-              <a:defRPr sz="1600"/>
+            <a:lvl7pPr marL="2057400" indent="0" algn="ctr">
+              <a:buNone/>
+              <a:defRPr sz="1200"/>
             </a:lvl7pPr>
-            <a:lvl8pPr marL="3200400" indent="0" algn="ctr">
-              <a:buNone/>
-              <a:defRPr sz="1600"/>
+            <a:lvl8pPr marL="2400300" indent="0" algn="ctr">
+              <a:buNone/>
+              <a:defRPr sz="1200"/>
             </a:lvl8pPr>
-            <a:lvl9pPr marL="3657600" indent="0" algn="ctr">
-              <a:buNone/>
-              <a:defRPr sz="1600"/>
+            <a:lvl9pPr marL="2743200" indent="0" algn="ctr">
+              <a:buNone/>
+              <a:defRPr sz="1200"/>
             </a:lvl9pPr>
           </a:lstStyle>
           <a:p>
@@ -228,18 +218,13 @@
               <a:rPr lang="en-US"/>
               <a:t>Click to edit Master subtitle style</a:t>
             </a:r>
-          </a:p>
-        </p:txBody>
-      </p:sp>
-      <p:sp>
-        <p:nvSpPr>
-          <p:cNvPr id="4" name="Date Placeholder 3">
-            <a:extLst>
-              <a:ext uri="{FF2B5EF4-FFF2-40B4-BE49-F238E27FC236}">
-                <a16:creationId xmlns:a16="http://schemas.microsoft.com/office/drawing/2014/main" id="{6B3CEB77-4673-5142-A719-EA094495ED74}"/>
-              </a:ext>
-            </a:extLst>
-          </p:cNvPr>
+            <a:endParaRPr lang="en-US" dirty="0"/>
+          </a:p>
+        </p:txBody>
+      </p:sp>
+      <p:sp>
+        <p:nvSpPr>
+          <p:cNvPr id="4" name="Date Placeholder 3"/>
           <p:cNvSpPr>
             <a:spLocks noGrp="1"/>
           </p:cNvSpPr>
@@ -262,13 +247,7 @@
       </p:sp>
       <p:sp>
         <p:nvSpPr>
-          <p:cNvPr id="5" name="Footer Placeholder 4">
-            <a:extLst>
-              <a:ext uri="{FF2B5EF4-FFF2-40B4-BE49-F238E27FC236}">
-                <a16:creationId xmlns:a16="http://schemas.microsoft.com/office/drawing/2014/main" id="{D55471AC-B44B-D341-B18E-9A2CB929C013}"/>
-              </a:ext>
-            </a:extLst>
-          </p:cNvPr>
+          <p:cNvPr id="5" name="Footer Placeholder 4"/>
           <p:cNvSpPr>
             <a:spLocks noGrp="1"/>
           </p:cNvSpPr>
@@ -287,13 +266,7 @@
       </p:sp>
       <p:sp>
         <p:nvSpPr>
-          <p:cNvPr id="6" name="Slide Number Placeholder 5">
-            <a:extLst>
-              <a:ext uri="{FF2B5EF4-FFF2-40B4-BE49-F238E27FC236}">
-                <a16:creationId xmlns:a16="http://schemas.microsoft.com/office/drawing/2014/main" id="{BBDF00D0-4186-B84B-B802-07DE2DDD931E}"/>
-              </a:ext>
-            </a:extLst>
-          </p:cNvPr>
+          <p:cNvPr id="6" name="Slide Number Placeholder 5"/>
           <p:cNvSpPr>
             <a:spLocks noGrp="1"/>
           </p:cNvSpPr>
@@ -317,7 +290,7 @@
     </p:spTree>
     <p:extLst>
       <p:ext uri="{BB962C8B-B14F-4D97-AF65-F5344CB8AC3E}">
-        <p14:creationId xmlns:p14="http://schemas.microsoft.com/office/powerpoint/2010/main" val="1306551077"/>
+        <p14:creationId xmlns:p14="http://schemas.microsoft.com/office/powerpoint/2010/main" val="608993217"/>
       </p:ext>
     </p:extLst>
   </p:cSld>
@@ -346,13 +319,7 @@
       </p:grpSpPr>
       <p:sp>
         <p:nvSpPr>
-          <p:cNvPr id="2" name="Title 1">
-            <a:extLst>
-              <a:ext uri="{FF2B5EF4-FFF2-40B4-BE49-F238E27FC236}">
-                <a16:creationId xmlns:a16="http://schemas.microsoft.com/office/drawing/2014/main" id="{B8D7AA55-7D2A-E644-A1B8-CF8F3D59F194}"/>
-              </a:ext>
-            </a:extLst>
-          </p:cNvPr>
+          <p:cNvPr id="2" name="Title 1"/>
           <p:cNvSpPr>
             <a:spLocks noGrp="1"/>
           </p:cNvSpPr>
@@ -369,18 +336,13 @@
               <a:rPr lang="en-US"/>
               <a:t>Click to edit Master title style</a:t>
             </a:r>
-          </a:p>
-        </p:txBody>
-      </p:sp>
-      <p:sp>
-        <p:nvSpPr>
-          <p:cNvPr id="3" name="Vertical Text Placeholder 2">
-            <a:extLst>
-              <a:ext uri="{FF2B5EF4-FFF2-40B4-BE49-F238E27FC236}">
-                <a16:creationId xmlns:a16="http://schemas.microsoft.com/office/drawing/2014/main" id="{560A0F54-86A5-E14D-87D9-DDB66D44266B}"/>
-              </a:ext>
-            </a:extLst>
-          </p:cNvPr>
+            <a:endParaRPr lang="en-US" dirty="0"/>
+          </a:p>
+        </p:txBody>
+      </p:sp>
+      <p:sp>
+        <p:nvSpPr>
+          <p:cNvPr id="3" name="Vertical Text Placeholder 2"/>
           <p:cNvSpPr>
             <a:spLocks noGrp="1"/>
           </p:cNvSpPr>
@@ -426,18 +388,13 @@
               <a:rPr lang="en-US"/>
               <a:t>Fifth level</a:t>
             </a:r>
-          </a:p>
-        </p:txBody>
-      </p:sp>
-      <p:sp>
-        <p:nvSpPr>
-          <p:cNvPr id="4" name="Date Placeholder 3">
-            <a:extLst>
-              <a:ext uri="{FF2B5EF4-FFF2-40B4-BE49-F238E27FC236}">
-                <a16:creationId xmlns:a16="http://schemas.microsoft.com/office/drawing/2014/main" id="{A224CE7F-0C54-7645-9967-61FE1ABE0ADB}"/>
-              </a:ext>
-            </a:extLst>
-          </p:cNvPr>
+            <a:endParaRPr lang="en-US" dirty="0"/>
+          </a:p>
+        </p:txBody>
+      </p:sp>
+      <p:sp>
+        <p:nvSpPr>
+          <p:cNvPr id="4" name="Date Placeholder 3"/>
           <p:cNvSpPr>
             <a:spLocks noGrp="1"/>
           </p:cNvSpPr>
@@ -460,13 +417,7 @@
       </p:sp>
       <p:sp>
         <p:nvSpPr>
-          <p:cNvPr id="5" name="Footer Placeholder 4">
-            <a:extLst>
-              <a:ext uri="{FF2B5EF4-FFF2-40B4-BE49-F238E27FC236}">
-                <a16:creationId xmlns:a16="http://schemas.microsoft.com/office/drawing/2014/main" id="{E70F9A84-8892-774D-A961-4527A68EB5EF}"/>
-              </a:ext>
-            </a:extLst>
-          </p:cNvPr>
+          <p:cNvPr id="5" name="Footer Placeholder 4"/>
           <p:cNvSpPr>
             <a:spLocks noGrp="1"/>
           </p:cNvSpPr>
@@ -485,13 +436,7 @@
       </p:sp>
       <p:sp>
         <p:nvSpPr>
-          <p:cNvPr id="6" name="Slide Number Placeholder 5">
-            <a:extLst>
-              <a:ext uri="{FF2B5EF4-FFF2-40B4-BE49-F238E27FC236}">
-                <a16:creationId xmlns:a16="http://schemas.microsoft.com/office/drawing/2014/main" id="{40640C45-AFF9-454A-984C-4FF9E54BE65E}"/>
-              </a:ext>
-            </a:extLst>
-          </p:cNvPr>
+          <p:cNvPr id="6" name="Slide Number Placeholder 5"/>
           <p:cNvSpPr>
             <a:spLocks noGrp="1"/>
           </p:cNvSpPr>
@@ -515,7 +460,7 @@
     </p:spTree>
     <p:extLst>
       <p:ext uri="{BB962C8B-B14F-4D97-AF65-F5344CB8AC3E}">
-        <p14:creationId xmlns:p14="http://schemas.microsoft.com/office/powerpoint/2010/main" val="609897167"/>
+        <p14:creationId xmlns:p14="http://schemas.microsoft.com/office/powerpoint/2010/main" val="447939555"/>
       </p:ext>
     </p:extLst>
   </p:cSld>
@@ -544,13 +489,7 @@
       </p:grpSpPr>
       <p:sp>
         <p:nvSpPr>
-          <p:cNvPr id="2" name="Vertical Title 1">
-            <a:extLst>
-              <a:ext uri="{FF2B5EF4-FFF2-40B4-BE49-F238E27FC236}">
-                <a16:creationId xmlns:a16="http://schemas.microsoft.com/office/drawing/2014/main" id="{3CA5BAA2-8980-D34F-A4CD-6EE6388CB4AA}"/>
-              </a:ext>
-            </a:extLst>
-          </p:cNvPr>
+          <p:cNvPr id="2" name="Vertical Title 1"/>
           <p:cNvSpPr>
             <a:spLocks noGrp="1"/>
           </p:cNvSpPr>
@@ -560,8 +499,8 @@
         </p:nvSpPr>
         <p:spPr>
           <a:xfrm>
-            <a:off x="8724900" y="365125"/>
-            <a:ext cx="2628900" cy="5811838"/>
+            <a:off x="4907757" y="365125"/>
+            <a:ext cx="1478756" cy="5811838"/>
           </a:xfrm>
         </p:spPr>
         <p:txBody>
@@ -572,18 +511,13 @@
               <a:rPr lang="en-US"/>
               <a:t>Click to edit Master title style</a:t>
             </a:r>
-          </a:p>
-        </p:txBody>
-      </p:sp>
-      <p:sp>
-        <p:nvSpPr>
-          <p:cNvPr id="3" name="Vertical Text Placeholder 2">
-            <a:extLst>
-              <a:ext uri="{FF2B5EF4-FFF2-40B4-BE49-F238E27FC236}">
-                <a16:creationId xmlns:a16="http://schemas.microsoft.com/office/drawing/2014/main" id="{30D699B6-CFEE-024E-8967-11CA749E9B8A}"/>
-              </a:ext>
-            </a:extLst>
-          </p:cNvPr>
+            <a:endParaRPr lang="en-US" dirty="0"/>
+          </a:p>
+        </p:txBody>
+      </p:sp>
+      <p:sp>
+        <p:nvSpPr>
+          <p:cNvPr id="3" name="Vertical Text Placeholder 2"/>
           <p:cNvSpPr>
             <a:spLocks noGrp="1"/>
           </p:cNvSpPr>
@@ -593,8 +527,8 @@
         </p:nvSpPr>
         <p:spPr>
           <a:xfrm>
-            <a:off x="838200" y="365125"/>
-            <a:ext cx="7734300" cy="5811838"/>
+            <a:off x="471488" y="365125"/>
+            <a:ext cx="4350544" cy="5811838"/>
           </a:xfrm>
         </p:spPr>
         <p:txBody>
@@ -634,18 +568,13 @@
               <a:rPr lang="en-US"/>
               <a:t>Fifth level</a:t>
             </a:r>
-          </a:p>
-        </p:txBody>
-      </p:sp>
-      <p:sp>
-        <p:nvSpPr>
-          <p:cNvPr id="4" name="Date Placeholder 3">
-            <a:extLst>
-              <a:ext uri="{FF2B5EF4-FFF2-40B4-BE49-F238E27FC236}">
-                <a16:creationId xmlns:a16="http://schemas.microsoft.com/office/drawing/2014/main" id="{721D5D55-3519-3240-A509-C88608E25CEB}"/>
-              </a:ext>
-            </a:extLst>
-          </p:cNvPr>
+            <a:endParaRPr lang="en-US" dirty="0"/>
+          </a:p>
+        </p:txBody>
+      </p:sp>
+      <p:sp>
+        <p:nvSpPr>
+          <p:cNvPr id="4" name="Date Placeholder 3"/>
           <p:cNvSpPr>
             <a:spLocks noGrp="1"/>
           </p:cNvSpPr>
@@ -668,13 +597,7 @@
       </p:sp>
       <p:sp>
         <p:nvSpPr>
-          <p:cNvPr id="5" name="Footer Placeholder 4">
-            <a:extLst>
-              <a:ext uri="{FF2B5EF4-FFF2-40B4-BE49-F238E27FC236}">
-                <a16:creationId xmlns:a16="http://schemas.microsoft.com/office/drawing/2014/main" id="{2077B28F-2F89-BC4A-9EEE-9A26FF03176B}"/>
-              </a:ext>
-            </a:extLst>
-          </p:cNvPr>
+          <p:cNvPr id="5" name="Footer Placeholder 4"/>
           <p:cNvSpPr>
             <a:spLocks noGrp="1"/>
           </p:cNvSpPr>
@@ -693,13 +616,7 @@
       </p:sp>
       <p:sp>
         <p:nvSpPr>
-          <p:cNvPr id="6" name="Slide Number Placeholder 5">
-            <a:extLst>
-              <a:ext uri="{FF2B5EF4-FFF2-40B4-BE49-F238E27FC236}">
-                <a16:creationId xmlns:a16="http://schemas.microsoft.com/office/drawing/2014/main" id="{68E3ABC9-F61A-D946-B70F-9C2F1322404D}"/>
-              </a:ext>
-            </a:extLst>
-          </p:cNvPr>
+          <p:cNvPr id="6" name="Slide Number Placeholder 5"/>
           <p:cNvSpPr>
             <a:spLocks noGrp="1"/>
           </p:cNvSpPr>
@@ -723,7 +640,7 @@
     </p:spTree>
     <p:extLst>
       <p:ext uri="{BB962C8B-B14F-4D97-AF65-F5344CB8AC3E}">
-        <p14:creationId xmlns:p14="http://schemas.microsoft.com/office/powerpoint/2010/main" val="1752768973"/>
+        <p14:creationId xmlns:p14="http://schemas.microsoft.com/office/powerpoint/2010/main" val="1812888936"/>
       </p:ext>
     </p:extLst>
   </p:cSld>
@@ -752,13 +669,7 @@
       </p:grpSpPr>
       <p:sp>
         <p:nvSpPr>
-          <p:cNvPr id="2" name="Title 1">
-            <a:extLst>
-              <a:ext uri="{FF2B5EF4-FFF2-40B4-BE49-F238E27FC236}">
-                <a16:creationId xmlns:a16="http://schemas.microsoft.com/office/drawing/2014/main" id="{B646326F-794B-EC49-ADA9-401ECC25E95C}"/>
-              </a:ext>
-            </a:extLst>
-          </p:cNvPr>
+          <p:cNvPr id="2" name="Title 1"/>
           <p:cNvSpPr>
             <a:spLocks noGrp="1"/>
           </p:cNvSpPr>
@@ -775,18 +686,13 @@
               <a:rPr lang="en-US"/>
               <a:t>Click to edit Master title style</a:t>
             </a:r>
-          </a:p>
-        </p:txBody>
-      </p:sp>
-      <p:sp>
-        <p:nvSpPr>
-          <p:cNvPr id="3" name="Content Placeholder 2">
-            <a:extLst>
-              <a:ext uri="{FF2B5EF4-FFF2-40B4-BE49-F238E27FC236}">
-                <a16:creationId xmlns:a16="http://schemas.microsoft.com/office/drawing/2014/main" id="{4A1141CD-B335-424C-9D2E-00B18128BA19}"/>
-              </a:ext>
-            </a:extLst>
-          </p:cNvPr>
+            <a:endParaRPr lang="en-US" dirty="0"/>
+          </a:p>
+        </p:txBody>
+      </p:sp>
+      <p:sp>
+        <p:nvSpPr>
+          <p:cNvPr id="3" name="Content Placeholder 2"/>
           <p:cNvSpPr>
             <a:spLocks noGrp="1"/>
           </p:cNvSpPr>
@@ -832,18 +738,13 @@
               <a:rPr lang="en-US"/>
               <a:t>Fifth level</a:t>
             </a:r>
-          </a:p>
-        </p:txBody>
-      </p:sp>
-      <p:sp>
-        <p:nvSpPr>
-          <p:cNvPr id="4" name="Date Placeholder 3">
-            <a:extLst>
-              <a:ext uri="{FF2B5EF4-FFF2-40B4-BE49-F238E27FC236}">
-                <a16:creationId xmlns:a16="http://schemas.microsoft.com/office/drawing/2014/main" id="{B5D9E36E-5FB3-4944-87E7-7752BF5BD200}"/>
-              </a:ext>
-            </a:extLst>
-          </p:cNvPr>
+            <a:endParaRPr lang="en-US" dirty="0"/>
+          </a:p>
+        </p:txBody>
+      </p:sp>
+      <p:sp>
+        <p:nvSpPr>
+          <p:cNvPr id="4" name="Date Placeholder 3"/>
           <p:cNvSpPr>
             <a:spLocks noGrp="1"/>
           </p:cNvSpPr>
@@ -866,13 +767,7 @@
       </p:sp>
       <p:sp>
         <p:nvSpPr>
-          <p:cNvPr id="5" name="Footer Placeholder 4">
-            <a:extLst>
-              <a:ext uri="{FF2B5EF4-FFF2-40B4-BE49-F238E27FC236}">
-                <a16:creationId xmlns:a16="http://schemas.microsoft.com/office/drawing/2014/main" id="{EC9C5C82-ECCC-494F-8F2A-84A8A2B103CE}"/>
-              </a:ext>
-            </a:extLst>
-          </p:cNvPr>
+          <p:cNvPr id="5" name="Footer Placeholder 4"/>
           <p:cNvSpPr>
             <a:spLocks noGrp="1"/>
           </p:cNvSpPr>
@@ -891,13 +786,7 @@
       </p:sp>
       <p:sp>
         <p:nvSpPr>
-          <p:cNvPr id="6" name="Slide Number Placeholder 5">
-            <a:extLst>
-              <a:ext uri="{FF2B5EF4-FFF2-40B4-BE49-F238E27FC236}">
-                <a16:creationId xmlns:a16="http://schemas.microsoft.com/office/drawing/2014/main" id="{A887D9C9-5AA9-4B47-9ED5-8D9ABD7F36A1}"/>
-              </a:ext>
-            </a:extLst>
-          </p:cNvPr>
+          <p:cNvPr id="6" name="Slide Number Placeholder 5"/>
           <p:cNvSpPr>
             <a:spLocks noGrp="1"/>
           </p:cNvSpPr>
@@ -921,7 +810,7 @@
     </p:spTree>
     <p:extLst>
       <p:ext uri="{BB962C8B-B14F-4D97-AF65-F5344CB8AC3E}">
-        <p14:creationId xmlns:p14="http://schemas.microsoft.com/office/powerpoint/2010/main" val="510836752"/>
+        <p14:creationId xmlns:p14="http://schemas.microsoft.com/office/powerpoint/2010/main" val="2600795466"/>
       </p:ext>
     </p:extLst>
   </p:cSld>
@@ -950,13 +839,7 @@
       </p:grpSpPr>
       <p:sp>
         <p:nvSpPr>
-          <p:cNvPr id="2" name="Title 1">
-            <a:extLst>
-              <a:ext uri="{FF2B5EF4-FFF2-40B4-BE49-F238E27FC236}">
-                <a16:creationId xmlns:a16="http://schemas.microsoft.com/office/drawing/2014/main" id="{0F917CB0-EC12-5D4D-A77D-34D1994D4AAB}"/>
-              </a:ext>
-            </a:extLst>
-          </p:cNvPr>
+          <p:cNvPr id="2" name="Title 1"/>
           <p:cNvSpPr>
             <a:spLocks noGrp="1"/>
           </p:cNvSpPr>
@@ -966,15 +849,15 @@
         </p:nvSpPr>
         <p:spPr>
           <a:xfrm>
-            <a:off x="831850" y="1709738"/>
-            <a:ext cx="10515600" cy="2852737"/>
+            <a:off x="467916" y="1709740"/>
+            <a:ext cx="5915025" cy="2852737"/>
           </a:xfrm>
         </p:spPr>
         <p:txBody>
           <a:bodyPr anchor="b"/>
           <a:lstStyle>
             <a:lvl1pPr>
-              <a:defRPr sz="6000"/>
+              <a:defRPr sz="4500"/>
             </a:lvl1pPr>
           </a:lstStyle>
           <a:p>
@@ -982,18 +865,13 @@
               <a:rPr lang="en-US"/>
               <a:t>Click to edit Master title style</a:t>
             </a:r>
-          </a:p>
-        </p:txBody>
-      </p:sp>
-      <p:sp>
-        <p:nvSpPr>
-          <p:cNvPr id="3" name="Text Placeholder 2">
-            <a:extLst>
-              <a:ext uri="{FF2B5EF4-FFF2-40B4-BE49-F238E27FC236}">
-                <a16:creationId xmlns:a16="http://schemas.microsoft.com/office/drawing/2014/main" id="{241C4D03-2A87-754E-B64D-9A6F3D534DCF}"/>
-              </a:ext>
-            </a:extLst>
-          </p:cNvPr>
+            <a:endParaRPr lang="en-US" dirty="0"/>
+          </a:p>
+        </p:txBody>
+      </p:sp>
+      <p:sp>
+        <p:nvSpPr>
+          <p:cNvPr id="3" name="Text Placeholder 2"/>
           <p:cNvSpPr>
             <a:spLocks noGrp="1"/>
           </p:cNvSpPr>
@@ -1003,8 +881,8 @@
         </p:nvSpPr>
         <p:spPr>
           <a:xfrm>
-            <a:off x="831850" y="4589463"/>
-            <a:ext cx="10515600" cy="1500187"/>
+            <a:off x="467916" y="4589465"/>
+            <a:ext cx="5915025" cy="1500187"/>
           </a:xfrm>
         </p:spPr>
         <p:txBody>
@@ -1012,17 +890,15 @@
           <a:lstStyle>
             <a:lvl1pPr marL="0" indent="0">
               <a:buNone/>
-              <a:defRPr sz="2400">
+              <a:defRPr sz="1800">
                 <a:solidFill>
-                  <a:schemeClr val="tx1">
-                    <a:tint val="75000"/>
-                  </a:schemeClr>
+                  <a:schemeClr val="tx1"/>
                 </a:solidFill>
               </a:defRPr>
             </a:lvl1pPr>
-            <a:lvl2pPr marL="457200" indent="0">
-              <a:buNone/>
-              <a:defRPr sz="2000">
+            <a:lvl2pPr marL="342900" indent="0">
+              <a:buNone/>
+              <a:defRPr sz="1500">
                 <a:solidFill>
                   <a:schemeClr val="tx1">
                     <a:tint val="75000"/>
@@ -1030,9 +906,9 @@
                 </a:solidFill>
               </a:defRPr>
             </a:lvl2pPr>
-            <a:lvl3pPr marL="914400" indent="0">
-              <a:buNone/>
-              <a:defRPr sz="1800">
+            <a:lvl3pPr marL="685800" indent="0">
+              <a:buNone/>
+              <a:defRPr sz="1350">
                 <a:solidFill>
                   <a:schemeClr val="tx1">
                     <a:tint val="75000"/>
@@ -1040,9 +916,9 @@
                 </a:solidFill>
               </a:defRPr>
             </a:lvl3pPr>
-            <a:lvl4pPr marL="1371600" indent="0">
-              <a:buNone/>
-              <a:defRPr sz="1600">
+            <a:lvl4pPr marL="1028700" indent="0">
+              <a:buNone/>
+              <a:defRPr sz="1200">
                 <a:solidFill>
                   <a:schemeClr val="tx1">
                     <a:tint val="75000"/>
@@ -1050,9 +926,9 @@
                 </a:solidFill>
               </a:defRPr>
             </a:lvl4pPr>
-            <a:lvl5pPr marL="1828800" indent="0">
-              <a:buNone/>
-              <a:defRPr sz="1600">
+            <a:lvl5pPr marL="1371600" indent="0">
+              <a:buNone/>
+              <a:defRPr sz="1200">
                 <a:solidFill>
                   <a:schemeClr val="tx1">
                     <a:tint val="75000"/>
@@ -1060,9 +936,9 @@
                 </a:solidFill>
               </a:defRPr>
             </a:lvl5pPr>
-            <a:lvl6pPr marL="2286000" indent="0">
-              <a:buNone/>
-              <a:defRPr sz="1600">
+            <a:lvl6pPr marL="1714500" indent="0">
+              <a:buNone/>
+              <a:defRPr sz="1200">
                 <a:solidFill>
                   <a:schemeClr val="tx1">
                     <a:tint val="75000"/>
@@ -1070,9 +946,9 @@
                 </a:solidFill>
               </a:defRPr>
             </a:lvl6pPr>
-            <a:lvl7pPr marL="2743200" indent="0">
-              <a:buNone/>
-              <a:defRPr sz="1600">
+            <a:lvl7pPr marL="2057400" indent="0">
+              <a:buNone/>
+              <a:defRPr sz="1200">
                 <a:solidFill>
                   <a:schemeClr val="tx1">
                     <a:tint val="75000"/>
@@ -1080,9 +956,9 @@
                 </a:solidFill>
               </a:defRPr>
             </a:lvl7pPr>
-            <a:lvl8pPr marL="3200400" indent="0">
-              <a:buNone/>
-              <a:defRPr sz="1600">
+            <a:lvl8pPr marL="2400300" indent="0">
+              <a:buNone/>
+              <a:defRPr sz="1200">
                 <a:solidFill>
                   <a:schemeClr val="tx1">
                     <a:tint val="75000"/>
@@ -1090,9 +966,9 @@
                 </a:solidFill>
               </a:defRPr>
             </a:lvl8pPr>
-            <a:lvl9pPr marL="3657600" indent="0">
-              <a:buNone/>
-              <a:defRPr sz="1600">
+            <a:lvl9pPr marL="2743200" indent="0">
+              <a:buNone/>
+              <a:defRPr sz="1200">
                 <a:solidFill>
                   <a:schemeClr val="tx1">
                     <a:tint val="75000"/>
@@ -1112,13 +988,7 @@
       </p:sp>
       <p:sp>
         <p:nvSpPr>
-          <p:cNvPr id="4" name="Date Placeholder 3">
-            <a:extLst>
-              <a:ext uri="{FF2B5EF4-FFF2-40B4-BE49-F238E27FC236}">
-                <a16:creationId xmlns:a16="http://schemas.microsoft.com/office/drawing/2014/main" id="{471DDDE2-34B7-6C49-A3EF-D2DE87545A84}"/>
-              </a:ext>
-            </a:extLst>
-          </p:cNvPr>
+          <p:cNvPr id="4" name="Date Placeholder 3"/>
           <p:cNvSpPr>
             <a:spLocks noGrp="1"/>
           </p:cNvSpPr>
@@ -1141,13 +1011,7 @@
       </p:sp>
       <p:sp>
         <p:nvSpPr>
-          <p:cNvPr id="5" name="Footer Placeholder 4">
-            <a:extLst>
-              <a:ext uri="{FF2B5EF4-FFF2-40B4-BE49-F238E27FC236}">
-                <a16:creationId xmlns:a16="http://schemas.microsoft.com/office/drawing/2014/main" id="{64676449-0575-C84D-8BD2-86ABB8E2AD94}"/>
-              </a:ext>
-            </a:extLst>
-          </p:cNvPr>
+          <p:cNvPr id="5" name="Footer Placeholder 4"/>
           <p:cNvSpPr>
             <a:spLocks noGrp="1"/>
           </p:cNvSpPr>
@@ -1166,13 +1030,7 @@
       </p:sp>
       <p:sp>
         <p:nvSpPr>
-          <p:cNvPr id="6" name="Slide Number Placeholder 5">
-            <a:extLst>
-              <a:ext uri="{FF2B5EF4-FFF2-40B4-BE49-F238E27FC236}">
-                <a16:creationId xmlns:a16="http://schemas.microsoft.com/office/drawing/2014/main" id="{AABA9BB1-8B9A-A64E-85A2-E0D70545C2F5}"/>
-              </a:ext>
-            </a:extLst>
-          </p:cNvPr>
+          <p:cNvPr id="6" name="Slide Number Placeholder 5"/>
           <p:cNvSpPr>
             <a:spLocks noGrp="1"/>
           </p:cNvSpPr>
@@ -1196,7 +1054,7 @@
     </p:spTree>
     <p:extLst>
       <p:ext uri="{BB962C8B-B14F-4D97-AF65-F5344CB8AC3E}">
-        <p14:creationId xmlns:p14="http://schemas.microsoft.com/office/powerpoint/2010/main" val="3304169354"/>
+        <p14:creationId xmlns:p14="http://schemas.microsoft.com/office/powerpoint/2010/main" val="2540497978"/>
       </p:ext>
     </p:extLst>
   </p:cSld>
@@ -1225,13 +1083,7 @@
       </p:grpSpPr>
       <p:sp>
         <p:nvSpPr>
-          <p:cNvPr id="2" name="Title 1">
-            <a:extLst>
-              <a:ext uri="{FF2B5EF4-FFF2-40B4-BE49-F238E27FC236}">
-                <a16:creationId xmlns:a16="http://schemas.microsoft.com/office/drawing/2014/main" id="{B706103A-F5D8-CA4E-B139-1EC17752F4E1}"/>
-              </a:ext>
-            </a:extLst>
-          </p:cNvPr>
+          <p:cNvPr id="2" name="Title 1"/>
           <p:cNvSpPr>
             <a:spLocks noGrp="1"/>
           </p:cNvSpPr>
@@ -1248,18 +1100,13 @@
               <a:rPr lang="en-US"/>
               <a:t>Click to edit Master title style</a:t>
             </a:r>
-          </a:p>
-        </p:txBody>
-      </p:sp>
-      <p:sp>
-        <p:nvSpPr>
-          <p:cNvPr id="3" name="Content Placeholder 2">
-            <a:extLst>
-              <a:ext uri="{FF2B5EF4-FFF2-40B4-BE49-F238E27FC236}">
-                <a16:creationId xmlns:a16="http://schemas.microsoft.com/office/drawing/2014/main" id="{0B429695-6DDF-6747-839C-94C221513763}"/>
-              </a:ext>
-            </a:extLst>
-          </p:cNvPr>
+            <a:endParaRPr lang="en-US" dirty="0"/>
+          </a:p>
+        </p:txBody>
+      </p:sp>
+      <p:sp>
+        <p:nvSpPr>
+          <p:cNvPr id="3" name="Content Placeholder 2"/>
           <p:cNvSpPr>
             <a:spLocks noGrp="1"/>
           </p:cNvSpPr>
@@ -1269,8 +1116,8 @@
         </p:nvSpPr>
         <p:spPr>
           <a:xfrm>
-            <a:off x="838200" y="1825625"/>
-            <a:ext cx="5181600" cy="4351338"/>
+            <a:off x="471488" y="1825625"/>
+            <a:ext cx="2914650" cy="4351338"/>
           </a:xfrm>
         </p:spPr>
         <p:txBody>
@@ -1310,18 +1157,13 @@
               <a:rPr lang="en-US"/>
               <a:t>Fifth level</a:t>
             </a:r>
-          </a:p>
-        </p:txBody>
-      </p:sp>
-      <p:sp>
-        <p:nvSpPr>
-          <p:cNvPr id="4" name="Content Placeholder 3">
-            <a:extLst>
-              <a:ext uri="{FF2B5EF4-FFF2-40B4-BE49-F238E27FC236}">
-                <a16:creationId xmlns:a16="http://schemas.microsoft.com/office/drawing/2014/main" id="{9479E2CF-30E7-FA4F-8397-56CE1C7C9C78}"/>
-              </a:ext>
-            </a:extLst>
-          </p:cNvPr>
+            <a:endParaRPr lang="en-US" dirty="0"/>
+          </a:p>
+        </p:txBody>
+      </p:sp>
+      <p:sp>
+        <p:nvSpPr>
+          <p:cNvPr id="4" name="Content Placeholder 3"/>
           <p:cNvSpPr>
             <a:spLocks noGrp="1"/>
           </p:cNvSpPr>
@@ -1331,8 +1173,8 @@
         </p:nvSpPr>
         <p:spPr>
           <a:xfrm>
-            <a:off x="6172200" y="1825625"/>
-            <a:ext cx="5181600" cy="4351338"/>
+            <a:off x="3471863" y="1825625"/>
+            <a:ext cx="2914650" cy="4351338"/>
           </a:xfrm>
         </p:spPr>
         <p:txBody>
@@ -1372,18 +1214,13 @@
               <a:rPr lang="en-US"/>
               <a:t>Fifth level</a:t>
             </a:r>
-          </a:p>
-        </p:txBody>
-      </p:sp>
-      <p:sp>
-        <p:nvSpPr>
-          <p:cNvPr id="5" name="Date Placeholder 4">
-            <a:extLst>
-              <a:ext uri="{FF2B5EF4-FFF2-40B4-BE49-F238E27FC236}">
-                <a16:creationId xmlns:a16="http://schemas.microsoft.com/office/drawing/2014/main" id="{E1E96B8B-679A-5840-ACF2-D1B78BAF7482}"/>
-              </a:ext>
-            </a:extLst>
-          </p:cNvPr>
+            <a:endParaRPr lang="en-US" dirty="0"/>
+          </a:p>
+        </p:txBody>
+      </p:sp>
+      <p:sp>
+        <p:nvSpPr>
+          <p:cNvPr id="5" name="Date Placeholder 4"/>
           <p:cNvSpPr>
             <a:spLocks noGrp="1"/>
           </p:cNvSpPr>
@@ -1406,13 +1243,7 @@
       </p:sp>
       <p:sp>
         <p:nvSpPr>
-          <p:cNvPr id="6" name="Footer Placeholder 5">
-            <a:extLst>
-              <a:ext uri="{FF2B5EF4-FFF2-40B4-BE49-F238E27FC236}">
-                <a16:creationId xmlns:a16="http://schemas.microsoft.com/office/drawing/2014/main" id="{EA6EDB54-8756-0544-BEDD-D480D97FD8E8}"/>
-              </a:ext>
-            </a:extLst>
-          </p:cNvPr>
+          <p:cNvPr id="6" name="Footer Placeholder 5"/>
           <p:cNvSpPr>
             <a:spLocks noGrp="1"/>
           </p:cNvSpPr>
@@ -1431,13 +1262,7 @@
       </p:sp>
       <p:sp>
         <p:nvSpPr>
-          <p:cNvPr id="7" name="Slide Number Placeholder 6">
-            <a:extLst>
-              <a:ext uri="{FF2B5EF4-FFF2-40B4-BE49-F238E27FC236}">
-                <a16:creationId xmlns:a16="http://schemas.microsoft.com/office/drawing/2014/main" id="{55A592EF-D672-6D44-AAD0-CCD90D96DD07}"/>
-              </a:ext>
-            </a:extLst>
-          </p:cNvPr>
+          <p:cNvPr id="7" name="Slide Number Placeholder 6"/>
           <p:cNvSpPr>
             <a:spLocks noGrp="1"/>
           </p:cNvSpPr>
@@ -1461,7 +1286,7 @@
     </p:spTree>
     <p:extLst>
       <p:ext uri="{BB962C8B-B14F-4D97-AF65-F5344CB8AC3E}">
-        <p14:creationId xmlns:p14="http://schemas.microsoft.com/office/powerpoint/2010/main" val="3833320994"/>
+        <p14:creationId xmlns:p14="http://schemas.microsoft.com/office/powerpoint/2010/main" val="281752539"/>
       </p:ext>
     </p:extLst>
   </p:cSld>
@@ -1490,13 +1315,7 @@
       </p:grpSpPr>
       <p:sp>
         <p:nvSpPr>
-          <p:cNvPr id="2" name="Title 1">
-            <a:extLst>
-              <a:ext uri="{FF2B5EF4-FFF2-40B4-BE49-F238E27FC236}">
-                <a16:creationId xmlns:a16="http://schemas.microsoft.com/office/drawing/2014/main" id="{26170797-1EE9-EB4B-A603-570AEF3AD242}"/>
-              </a:ext>
-            </a:extLst>
-          </p:cNvPr>
+          <p:cNvPr id="2" name="Title 1"/>
           <p:cNvSpPr>
             <a:spLocks noGrp="1"/>
           </p:cNvSpPr>
@@ -1506,8 +1325,8 @@
         </p:nvSpPr>
         <p:spPr>
           <a:xfrm>
-            <a:off x="839788" y="365125"/>
-            <a:ext cx="10515600" cy="1325563"/>
+            <a:off x="472381" y="365127"/>
+            <a:ext cx="5915025" cy="1325563"/>
           </a:xfrm>
         </p:spPr>
         <p:txBody>
@@ -1518,18 +1337,13 @@
               <a:rPr lang="en-US"/>
               <a:t>Click to edit Master title style</a:t>
             </a:r>
-          </a:p>
-        </p:txBody>
-      </p:sp>
-      <p:sp>
-        <p:nvSpPr>
-          <p:cNvPr id="3" name="Text Placeholder 2">
-            <a:extLst>
-              <a:ext uri="{FF2B5EF4-FFF2-40B4-BE49-F238E27FC236}">
-                <a16:creationId xmlns:a16="http://schemas.microsoft.com/office/drawing/2014/main" id="{670666B3-F601-014B-87C3-07EF382C261C}"/>
-              </a:ext>
-            </a:extLst>
-          </p:cNvPr>
+            <a:endParaRPr lang="en-US" dirty="0"/>
+          </a:p>
+        </p:txBody>
+      </p:sp>
+      <p:sp>
+        <p:nvSpPr>
+          <p:cNvPr id="3" name="Text Placeholder 2"/>
           <p:cNvSpPr>
             <a:spLocks noGrp="1"/>
           </p:cNvSpPr>
@@ -1539,8 +1353,8 @@
         </p:nvSpPr>
         <p:spPr>
           <a:xfrm>
-            <a:off x="839788" y="1681163"/>
-            <a:ext cx="5157787" cy="823912"/>
+            <a:off x="472381" y="1681163"/>
+            <a:ext cx="2901255" cy="823912"/>
           </a:xfrm>
         </p:spPr>
         <p:txBody>
@@ -1548,39 +1362,39 @@
           <a:lstStyle>
             <a:lvl1pPr marL="0" indent="0">
               <a:buNone/>
-              <a:defRPr sz="2400" b="1"/>
+              <a:defRPr sz="1800" b="1"/>
             </a:lvl1pPr>
-            <a:lvl2pPr marL="457200" indent="0">
-              <a:buNone/>
-              <a:defRPr sz="2000" b="1"/>
+            <a:lvl2pPr marL="342900" indent="0">
+              <a:buNone/>
+              <a:defRPr sz="1500" b="1"/>
             </a:lvl2pPr>
-            <a:lvl3pPr marL="914400" indent="0">
-              <a:buNone/>
-              <a:defRPr sz="1800" b="1"/>
+            <a:lvl3pPr marL="685800" indent="0">
+              <a:buNone/>
+              <a:defRPr sz="1350" b="1"/>
             </a:lvl3pPr>
-            <a:lvl4pPr marL="1371600" indent="0">
-              <a:buNone/>
-              <a:defRPr sz="1600" b="1"/>
+            <a:lvl4pPr marL="1028700" indent="0">
+              <a:buNone/>
+              <a:defRPr sz="1200" b="1"/>
             </a:lvl4pPr>
-            <a:lvl5pPr marL="1828800" indent="0">
-              <a:buNone/>
-              <a:defRPr sz="1600" b="1"/>
+            <a:lvl5pPr marL="1371600" indent="0">
+              <a:buNone/>
+              <a:defRPr sz="1200" b="1"/>
             </a:lvl5pPr>
-            <a:lvl6pPr marL="2286000" indent="0">
-              <a:buNone/>
-              <a:defRPr sz="1600" b="1"/>
+            <a:lvl6pPr marL="1714500" indent="0">
+              <a:buNone/>
+              <a:defRPr sz="1200" b="1"/>
             </a:lvl6pPr>
-            <a:lvl7pPr marL="2743200" indent="0">
-              <a:buNone/>
-              <a:defRPr sz="1600" b="1"/>
+            <a:lvl7pPr marL="2057400" indent="0">
+              <a:buNone/>
+              <a:defRPr sz="1200" b="1"/>
             </a:lvl7pPr>
-            <a:lvl8pPr marL="3200400" indent="0">
-              <a:buNone/>
-              <a:defRPr sz="1600" b="1"/>
+            <a:lvl8pPr marL="2400300" indent="0">
+              <a:buNone/>
+              <a:defRPr sz="1200" b="1"/>
             </a:lvl8pPr>
-            <a:lvl9pPr marL="3657600" indent="0">
-              <a:buNone/>
-              <a:defRPr sz="1600" b="1"/>
+            <a:lvl9pPr marL="2743200" indent="0">
+              <a:buNone/>
+              <a:defRPr sz="1200" b="1"/>
             </a:lvl9pPr>
           </a:lstStyle>
           <a:p>
@@ -1594,13 +1408,7 @@
       </p:sp>
       <p:sp>
         <p:nvSpPr>
-          <p:cNvPr id="4" name="Content Placeholder 3">
-            <a:extLst>
-              <a:ext uri="{FF2B5EF4-FFF2-40B4-BE49-F238E27FC236}">
-                <a16:creationId xmlns:a16="http://schemas.microsoft.com/office/drawing/2014/main" id="{70672EF5-F3AD-7447-9108-B7C225AFA764}"/>
-              </a:ext>
-            </a:extLst>
-          </p:cNvPr>
+          <p:cNvPr id="4" name="Content Placeholder 3"/>
           <p:cNvSpPr>
             <a:spLocks noGrp="1"/>
           </p:cNvSpPr>
@@ -1610,8 +1418,8 @@
         </p:nvSpPr>
         <p:spPr>
           <a:xfrm>
-            <a:off x="839788" y="2505075"/>
-            <a:ext cx="5157787" cy="3684588"/>
+            <a:off x="472381" y="2505075"/>
+            <a:ext cx="2901255" cy="3684588"/>
           </a:xfrm>
         </p:spPr>
         <p:txBody>
@@ -1651,18 +1459,13 @@
               <a:rPr lang="en-US"/>
               <a:t>Fifth level</a:t>
             </a:r>
-          </a:p>
-        </p:txBody>
-      </p:sp>
-      <p:sp>
-        <p:nvSpPr>
-          <p:cNvPr id="5" name="Text Placeholder 4">
-            <a:extLst>
-              <a:ext uri="{FF2B5EF4-FFF2-40B4-BE49-F238E27FC236}">
-                <a16:creationId xmlns:a16="http://schemas.microsoft.com/office/drawing/2014/main" id="{1A0B83AB-C26A-274A-A9EC-FC0078B3C9F4}"/>
-              </a:ext>
-            </a:extLst>
-          </p:cNvPr>
+            <a:endParaRPr lang="en-US" dirty="0"/>
+          </a:p>
+        </p:txBody>
+      </p:sp>
+      <p:sp>
+        <p:nvSpPr>
+          <p:cNvPr id="5" name="Text Placeholder 4"/>
           <p:cNvSpPr>
             <a:spLocks noGrp="1"/>
           </p:cNvSpPr>
@@ -1672,8 +1475,8 @@
         </p:nvSpPr>
         <p:spPr>
           <a:xfrm>
-            <a:off x="6172200" y="1681163"/>
-            <a:ext cx="5183188" cy="823912"/>
+            <a:off x="3471863" y="1681163"/>
+            <a:ext cx="2915543" cy="823912"/>
           </a:xfrm>
         </p:spPr>
         <p:txBody>
@@ -1681,39 +1484,39 @@
           <a:lstStyle>
             <a:lvl1pPr marL="0" indent="0">
               <a:buNone/>
-              <a:defRPr sz="2400" b="1"/>
+              <a:defRPr sz="1800" b="1"/>
             </a:lvl1pPr>
-            <a:lvl2pPr marL="457200" indent="0">
-              <a:buNone/>
-              <a:defRPr sz="2000" b="1"/>
+            <a:lvl2pPr marL="342900" indent="0">
+              <a:buNone/>
+              <a:defRPr sz="1500" b="1"/>
             </a:lvl2pPr>
-            <a:lvl3pPr marL="914400" indent="0">
-              <a:buNone/>
-              <a:defRPr sz="1800" b="1"/>
+            <a:lvl3pPr marL="685800" indent="0">
+              <a:buNone/>
+              <a:defRPr sz="1350" b="1"/>
             </a:lvl3pPr>
-            <a:lvl4pPr marL="1371600" indent="0">
-              <a:buNone/>
-              <a:defRPr sz="1600" b="1"/>
+            <a:lvl4pPr marL="1028700" indent="0">
+              <a:buNone/>
+              <a:defRPr sz="1200" b="1"/>
             </a:lvl4pPr>
-            <a:lvl5pPr marL="1828800" indent="0">
-              <a:buNone/>
-              <a:defRPr sz="1600" b="1"/>
+            <a:lvl5pPr marL="1371600" indent="0">
+              <a:buNone/>
+              <a:defRPr sz="1200" b="1"/>
             </a:lvl5pPr>
-            <a:lvl6pPr marL="2286000" indent="0">
-              <a:buNone/>
-              <a:defRPr sz="1600" b="1"/>
+            <a:lvl6pPr marL="1714500" indent="0">
+              <a:buNone/>
+              <a:defRPr sz="1200" b="1"/>
             </a:lvl6pPr>
-            <a:lvl7pPr marL="2743200" indent="0">
-              <a:buNone/>
-              <a:defRPr sz="1600" b="1"/>
+            <a:lvl7pPr marL="2057400" indent="0">
+              <a:buNone/>
+              <a:defRPr sz="1200" b="1"/>
             </a:lvl7pPr>
-            <a:lvl8pPr marL="3200400" indent="0">
-              <a:buNone/>
-              <a:defRPr sz="1600" b="1"/>
+            <a:lvl8pPr marL="2400300" indent="0">
+              <a:buNone/>
+              <a:defRPr sz="1200" b="1"/>
             </a:lvl8pPr>
-            <a:lvl9pPr marL="3657600" indent="0">
-              <a:buNone/>
-              <a:defRPr sz="1600" b="1"/>
+            <a:lvl9pPr marL="2743200" indent="0">
+              <a:buNone/>
+              <a:defRPr sz="1200" b="1"/>
             </a:lvl9pPr>
           </a:lstStyle>
           <a:p>
@@ -1727,13 +1530,7 @@
       </p:sp>
       <p:sp>
         <p:nvSpPr>
-          <p:cNvPr id="6" name="Content Placeholder 5">
-            <a:extLst>
-              <a:ext uri="{FF2B5EF4-FFF2-40B4-BE49-F238E27FC236}">
-                <a16:creationId xmlns:a16="http://schemas.microsoft.com/office/drawing/2014/main" id="{4088E0BE-6B08-5E49-B330-97108CB89C2B}"/>
-              </a:ext>
-            </a:extLst>
-          </p:cNvPr>
+          <p:cNvPr id="6" name="Content Placeholder 5"/>
           <p:cNvSpPr>
             <a:spLocks noGrp="1"/>
           </p:cNvSpPr>
@@ -1743,8 +1540,8 @@
         </p:nvSpPr>
         <p:spPr>
           <a:xfrm>
-            <a:off x="6172200" y="2505075"/>
-            <a:ext cx="5183188" cy="3684588"/>
+            <a:off x="3471863" y="2505075"/>
+            <a:ext cx="2915543" cy="3684588"/>
           </a:xfrm>
         </p:spPr>
         <p:txBody>
@@ -1784,18 +1581,13 @@
               <a:rPr lang="en-US"/>
               <a:t>Fifth level</a:t>
             </a:r>
-          </a:p>
-        </p:txBody>
-      </p:sp>
-      <p:sp>
-        <p:nvSpPr>
-          <p:cNvPr id="7" name="Date Placeholder 6">
-            <a:extLst>
-              <a:ext uri="{FF2B5EF4-FFF2-40B4-BE49-F238E27FC236}">
-                <a16:creationId xmlns:a16="http://schemas.microsoft.com/office/drawing/2014/main" id="{BC4B5F4D-8ECD-9A49-A540-9E4EA2F58C82}"/>
-              </a:ext>
-            </a:extLst>
-          </p:cNvPr>
+            <a:endParaRPr lang="en-US" dirty="0"/>
+          </a:p>
+        </p:txBody>
+      </p:sp>
+      <p:sp>
+        <p:nvSpPr>
+          <p:cNvPr id="7" name="Date Placeholder 6"/>
           <p:cNvSpPr>
             <a:spLocks noGrp="1"/>
           </p:cNvSpPr>
@@ -1818,13 +1610,7 @@
       </p:sp>
       <p:sp>
         <p:nvSpPr>
-          <p:cNvPr id="8" name="Footer Placeholder 7">
-            <a:extLst>
-              <a:ext uri="{FF2B5EF4-FFF2-40B4-BE49-F238E27FC236}">
-                <a16:creationId xmlns:a16="http://schemas.microsoft.com/office/drawing/2014/main" id="{C602C282-AC5E-4B4B-A8D5-F800724CE441}"/>
-              </a:ext>
-            </a:extLst>
-          </p:cNvPr>
+          <p:cNvPr id="8" name="Footer Placeholder 7"/>
           <p:cNvSpPr>
             <a:spLocks noGrp="1"/>
           </p:cNvSpPr>
@@ -1843,13 +1629,7 @@
       </p:sp>
       <p:sp>
         <p:nvSpPr>
-          <p:cNvPr id="9" name="Slide Number Placeholder 8">
-            <a:extLst>
-              <a:ext uri="{FF2B5EF4-FFF2-40B4-BE49-F238E27FC236}">
-                <a16:creationId xmlns:a16="http://schemas.microsoft.com/office/drawing/2014/main" id="{4B141811-04BA-C143-9158-662BBF760DCB}"/>
-              </a:ext>
-            </a:extLst>
-          </p:cNvPr>
+          <p:cNvPr id="9" name="Slide Number Placeholder 8"/>
           <p:cNvSpPr>
             <a:spLocks noGrp="1"/>
           </p:cNvSpPr>
@@ -1873,7 +1653,7 @@
     </p:spTree>
     <p:extLst>
       <p:ext uri="{BB962C8B-B14F-4D97-AF65-F5344CB8AC3E}">
-        <p14:creationId xmlns:p14="http://schemas.microsoft.com/office/powerpoint/2010/main" val="1679406890"/>
+        <p14:creationId xmlns:p14="http://schemas.microsoft.com/office/powerpoint/2010/main" val="138498533"/>
       </p:ext>
     </p:extLst>
   </p:cSld>
@@ -1902,13 +1682,7 @@
       </p:grpSpPr>
       <p:sp>
         <p:nvSpPr>
-          <p:cNvPr id="2" name="Title 1">
-            <a:extLst>
-              <a:ext uri="{FF2B5EF4-FFF2-40B4-BE49-F238E27FC236}">
-                <a16:creationId xmlns:a16="http://schemas.microsoft.com/office/drawing/2014/main" id="{B0896821-3A1D-C34F-B0AC-E56AC4AAFE24}"/>
-              </a:ext>
-            </a:extLst>
-          </p:cNvPr>
+          <p:cNvPr id="2" name="Title 1"/>
           <p:cNvSpPr>
             <a:spLocks noGrp="1"/>
           </p:cNvSpPr>
@@ -1925,18 +1699,13 @@
               <a:rPr lang="en-US"/>
               <a:t>Click to edit Master title style</a:t>
             </a:r>
-          </a:p>
-        </p:txBody>
-      </p:sp>
-      <p:sp>
-        <p:nvSpPr>
-          <p:cNvPr id="3" name="Date Placeholder 2">
-            <a:extLst>
-              <a:ext uri="{FF2B5EF4-FFF2-40B4-BE49-F238E27FC236}">
-                <a16:creationId xmlns:a16="http://schemas.microsoft.com/office/drawing/2014/main" id="{4ACA4C42-7718-1A46-BC1F-C51141F7DD28}"/>
-              </a:ext>
-            </a:extLst>
-          </p:cNvPr>
+            <a:endParaRPr lang="en-US" dirty="0"/>
+          </a:p>
+        </p:txBody>
+      </p:sp>
+      <p:sp>
+        <p:nvSpPr>
+          <p:cNvPr id="3" name="Date Placeholder 2"/>
           <p:cNvSpPr>
             <a:spLocks noGrp="1"/>
           </p:cNvSpPr>
@@ -1959,13 +1728,7 @@
       </p:sp>
       <p:sp>
         <p:nvSpPr>
-          <p:cNvPr id="4" name="Footer Placeholder 3">
-            <a:extLst>
-              <a:ext uri="{FF2B5EF4-FFF2-40B4-BE49-F238E27FC236}">
-                <a16:creationId xmlns:a16="http://schemas.microsoft.com/office/drawing/2014/main" id="{714D0BCD-5E8E-2445-829C-02630F01E8AD}"/>
-              </a:ext>
-            </a:extLst>
-          </p:cNvPr>
+          <p:cNvPr id="4" name="Footer Placeholder 3"/>
           <p:cNvSpPr>
             <a:spLocks noGrp="1"/>
           </p:cNvSpPr>
@@ -1984,13 +1747,7 @@
       </p:sp>
       <p:sp>
         <p:nvSpPr>
-          <p:cNvPr id="5" name="Slide Number Placeholder 4">
-            <a:extLst>
-              <a:ext uri="{FF2B5EF4-FFF2-40B4-BE49-F238E27FC236}">
-                <a16:creationId xmlns:a16="http://schemas.microsoft.com/office/drawing/2014/main" id="{F95446BB-CC59-1C44-9A17-AE2F2568E2A1}"/>
-              </a:ext>
-            </a:extLst>
-          </p:cNvPr>
+          <p:cNvPr id="5" name="Slide Number Placeholder 4"/>
           <p:cNvSpPr>
             <a:spLocks noGrp="1"/>
           </p:cNvSpPr>
@@ -2014,7 +1771,7 @@
     </p:spTree>
     <p:extLst>
       <p:ext uri="{BB962C8B-B14F-4D97-AF65-F5344CB8AC3E}">
-        <p14:creationId xmlns:p14="http://schemas.microsoft.com/office/powerpoint/2010/main" val="3700473481"/>
+        <p14:creationId xmlns:p14="http://schemas.microsoft.com/office/powerpoint/2010/main" val="4017448400"/>
       </p:ext>
     </p:extLst>
   </p:cSld>
@@ -2043,13 +1800,7 @@
       </p:grpSpPr>
       <p:sp>
         <p:nvSpPr>
-          <p:cNvPr id="2" name="Date Placeholder 1">
-            <a:extLst>
-              <a:ext uri="{FF2B5EF4-FFF2-40B4-BE49-F238E27FC236}">
-                <a16:creationId xmlns:a16="http://schemas.microsoft.com/office/drawing/2014/main" id="{7DEEEEE2-530C-C24F-8D8B-30E2421EE560}"/>
-              </a:ext>
-            </a:extLst>
-          </p:cNvPr>
+          <p:cNvPr id="2" name="Date Placeholder 1"/>
           <p:cNvSpPr>
             <a:spLocks noGrp="1"/>
           </p:cNvSpPr>
@@ -2072,13 +1823,7 @@
       </p:sp>
       <p:sp>
         <p:nvSpPr>
-          <p:cNvPr id="3" name="Footer Placeholder 2">
-            <a:extLst>
-              <a:ext uri="{FF2B5EF4-FFF2-40B4-BE49-F238E27FC236}">
-                <a16:creationId xmlns:a16="http://schemas.microsoft.com/office/drawing/2014/main" id="{8DF95446-F273-7F41-9B67-60E757E0D7A2}"/>
-              </a:ext>
-            </a:extLst>
-          </p:cNvPr>
+          <p:cNvPr id="3" name="Footer Placeholder 2"/>
           <p:cNvSpPr>
             <a:spLocks noGrp="1"/>
           </p:cNvSpPr>
@@ -2097,13 +1842,7 @@
       </p:sp>
       <p:sp>
         <p:nvSpPr>
-          <p:cNvPr id="4" name="Slide Number Placeholder 3">
-            <a:extLst>
-              <a:ext uri="{FF2B5EF4-FFF2-40B4-BE49-F238E27FC236}">
-                <a16:creationId xmlns:a16="http://schemas.microsoft.com/office/drawing/2014/main" id="{26EFD9D9-FE40-BD44-991D-223973EDE2D1}"/>
-              </a:ext>
-            </a:extLst>
-          </p:cNvPr>
+          <p:cNvPr id="4" name="Slide Number Placeholder 3"/>
           <p:cNvSpPr>
             <a:spLocks noGrp="1"/>
           </p:cNvSpPr>
@@ -2127,7 +1866,7 @@
     </p:spTree>
     <p:extLst>
       <p:ext uri="{BB962C8B-B14F-4D97-AF65-F5344CB8AC3E}">
-        <p14:creationId xmlns:p14="http://schemas.microsoft.com/office/powerpoint/2010/main" val="2364113895"/>
+        <p14:creationId xmlns:p14="http://schemas.microsoft.com/office/powerpoint/2010/main" val="2145319786"/>
       </p:ext>
     </p:extLst>
   </p:cSld>
@@ -2156,13 +1895,7 @@
       </p:grpSpPr>
       <p:sp>
         <p:nvSpPr>
-          <p:cNvPr id="2" name="Title 1">
-            <a:extLst>
-              <a:ext uri="{FF2B5EF4-FFF2-40B4-BE49-F238E27FC236}">
-                <a16:creationId xmlns:a16="http://schemas.microsoft.com/office/drawing/2014/main" id="{8AAFCC4A-A9AF-1848-A9A1-5F7B6A5C601B}"/>
-              </a:ext>
-            </a:extLst>
-          </p:cNvPr>
+          <p:cNvPr id="2" name="Title 1"/>
           <p:cNvSpPr>
             <a:spLocks noGrp="1"/>
           </p:cNvSpPr>
@@ -2172,15 +1905,15 @@
         </p:nvSpPr>
         <p:spPr>
           <a:xfrm>
-            <a:off x="839788" y="457200"/>
-            <a:ext cx="3932237" cy="1600200"/>
+            <a:off x="472381" y="457200"/>
+            <a:ext cx="2211884" cy="1600200"/>
           </a:xfrm>
         </p:spPr>
         <p:txBody>
           <a:bodyPr anchor="b"/>
           <a:lstStyle>
             <a:lvl1pPr>
-              <a:defRPr sz="3200"/>
+              <a:defRPr sz="2400"/>
             </a:lvl1pPr>
           </a:lstStyle>
           <a:p>
@@ -2188,18 +1921,13 @@
               <a:rPr lang="en-US"/>
               <a:t>Click to edit Master title style</a:t>
             </a:r>
-          </a:p>
-        </p:txBody>
-      </p:sp>
-      <p:sp>
-        <p:nvSpPr>
-          <p:cNvPr id="3" name="Content Placeholder 2">
-            <a:extLst>
-              <a:ext uri="{FF2B5EF4-FFF2-40B4-BE49-F238E27FC236}">
-                <a16:creationId xmlns:a16="http://schemas.microsoft.com/office/drawing/2014/main" id="{C36FDD85-0554-B847-A114-B0A0DB271F06}"/>
-              </a:ext>
-            </a:extLst>
-          </p:cNvPr>
+            <a:endParaRPr lang="en-US" dirty="0"/>
+          </a:p>
+        </p:txBody>
+      </p:sp>
+      <p:sp>
+        <p:nvSpPr>
+          <p:cNvPr id="3" name="Content Placeholder 2"/>
           <p:cNvSpPr>
             <a:spLocks noGrp="1"/>
           </p:cNvSpPr>
@@ -2209,39 +1937,39 @@
         </p:nvSpPr>
         <p:spPr>
           <a:xfrm>
-            <a:off x="5183188" y="987425"/>
-            <a:ext cx="6172200" cy="4873625"/>
+            <a:off x="2915543" y="987427"/>
+            <a:ext cx="3471863" cy="4873625"/>
           </a:xfrm>
         </p:spPr>
         <p:txBody>
           <a:bodyPr/>
           <a:lstStyle>
             <a:lvl1pPr>
-              <a:defRPr sz="3200"/>
+              <a:defRPr sz="2400"/>
             </a:lvl1pPr>
             <a:lvl2pPr>
-              <a:defRPr sz="2800"/>
+              <a:defRPr sz="2100"/>
             </a:lvl2pPr>
             <a:lvl3pPr>
-              <a:defRPr sz="2400"/>
+              <a:defRPr sz="1800"/>
             </a:lvl3pPr>
             <a:lvl4pPr>
-              <a:defRPr sz="2000"/>
+              <a:defRPr sz="1500"/>
             </a:lvl4pPr>
             <a:lvl5pPr>
-              <a:defRPr sz="2000"/>
+              <a:defRPr sz="1500"/>
             </a:lvl5pPr>
             <a:lvl6pPr>
-              <a:defRPr sz="2000"/>
+              <a:defRPr sz="1500"/>
             </a:lvl6pPr>
             <a:lvl7pPr>
-              <a:defRPr sz="2000"/>
+              <a:defRPr sz="1500"/>
             </a:lvl7pPr>
             <a:lvl8pPr>
-              <a:defRPr sz="2000"/>
+              <a:defRPr sz="1500"/>
             </a:lvl8pPr>
             <a:lvl9pPr>
-              <a:defRPr sz="2000"/>
+              <a:defRPr sz="1500"/>
             </a:lvl9pPr>
           </a:lstStyle>
           <a:p>
@@ -2278,18 +2006,13 @@
               <a:rPr lang="en-US"/>
               <a:t>Fifth level</a:t>
             </a:r>
-          </a:p>
-        </p:txBody>
-      </p:sp>
-      <p:sp>
-        <p:nvSpPr>
-          <p:cNvPr id="4" name="Text Placeholder 3">
-            <a:extLst>
-              <a:ext uri="{FF2B5EF4-FFF2-40B4-BE49-F238E27FC236}">
-                <a16:creationId xmlns:a16="http://schemas.microsoft.com/office/drawing/2014/main" id="{48E77B6A-14DC-FA43-8B0F-051EED4DF84C}"/>
-              </a:ext>
-            </a:extLst>
-          </p:cNvPr>
+            <a:endParaRPr lang="en-US" dirty="0"/>
+          </a:p>
+        </p:txBody>
+      </p:sp>
+      <p:sp>
+        <p:nvSpPr>
+          <p:cNvPr id="4" name="Text Placeholder 3"/>
           <p:cNvSpPr>
             <a:spLocks noGrp="1"/>
           </p:cNvSpPr>
@@ -2299,8 +2022,8 @@
         </p:nvSpPr>
         <p:spPr>
           <a:xfrm>
-            <a:off x="839788" y="2057400"/>
-            <a:ext cx="3932237" cy="3811588"/>
+            <a:off x="472381" y="2057400"/>
+            <a:ext cx="2211884" cy="3811588"/>
           </a:xfrm>
         </p:spPr>
         <p:txBody>
@@ -2308,39 +2031,39 @@
           <a:lstStyle>
             <a:lvl1pPr marL="0" indent="0">
               <a:buNone/>
-              <a:defRPr sz="1600"/>
+              <a:defRPr sz="1200"/>
             </a:lvl1pPr>
-            <a:lvl2pPr marL="457200" indent="0">
-              <a:buNone/>
-              <a:defRPr sz="1400"/>
+            <a:lvl2pPr marL="342900" indent="0">
+              <a:buNone/>
+              <a:defRPr sz="1050"/>
             </a:lvl2pPr>
-            <a:lvl3pPr marL="914400" indent="0">
-              <a:buNone/>
-              <a:defRPr sz="1200"/>
+            <a:lvl3pPr marL="685800" indent="0">
+              <a:buNone/>
+              <a:defRPr sz="900"/>
             </a:lvl3pPr>
-            <a:lvl4pPr marL="1371600" indent="0">
-              <a:buNone/>
-              <a:defRPr sz="1000"/>
+            <a:lvl4pPr marL="1028700" indent="0">
+              <a:buNone/>
+              <a:defRPr sz="750"/>
             </a:lvl4pPr>
-            <a:lvl5pPr marL="1828800" indent="0">
-              <a:buNone/>
-              <a:defRPr sz="1000"/>
+            <a:lvl5pPr marL="1371600" indent="0">
+              <a:buNone/>
+              <a:defRPr sz="750"/>
             </a:lvl5pPr>
-            <a:lvl6pPr marL="2286000" indent="0">
-              <a:buNone/>
-              <a:defRPr sz="1000"/>
+            <a:lvl6pPr marL="1714500" indent="0">
+              <a:buNone/>
+              <a:defRPr sz="750"/>
             </a:lvl6pPr>
-            <a:lvl7pPr marL="2743200" indent="0">
-              <a:buNone/>
-              <a:defRPr sz="1000"/>
+            <a:lvl7pPr marL="2057400" indent="0">
+              <a:buNone/>
+              <a:defRPr sz="750"/>
             </a:lvl7pPr>
-            <a:lvl8pPr marL="3200400" indent="0">
-              <a:buNone/>
-              <a:defRPr sz="1000"/>
+            <a:lvl8pPr marL="2400300" indent="0">
+              <a:buNone/>
+              <a:defRPr sz="750"/>
             </a:lvl8pPr>
-            <a:lvl9pPr marL="3657600" indent="0">
-              <a:buNone/>
-              <a:defRPr sz="1000"/>
+            <a:lvl9pPr marL="2743200" indent="0">
+              <a:buNone/>
+              <a:defRPr sz="750"/>
             </a:lvl9pPr>
           </a:lstStyle>
           <a:p>
@@ -2354,13 +2077,7 @@
       </p:sp>
       <p:sp>
         <p:nvSpPr>
-          <p:cNvPr id="5" name="Date Placeholder 4">
-            <a:extLst>
-              <a:ext uri="{FF2B5EF4-FFF2-40B4-BE49-F238E27FC236}">
-                <a16:creationId xmlns:a16="http://schemas.microsoft.com/office/drawing/2014/main" id="{76F34A36-46B4-CA49-8EA4-6EF66FAEC5F7}"/>
-              </a:ext>
-            </a:extLst>
-          </p:cNvPr>
+          <p:cNvPr id="5" name="Date Placeholder 4"/>
           <p:cNvSpPr>
             <a:spLocks noGrp="1"/>
           </p:cNvSpPr>
@@ -2383,13 +2100,7 @@
       </p:sp>
       <p:sp>
         <p:nvSpPr>
-          <p:cNvPr id="6" name="Footer Placeholder 5">
-            <a:extLst>
-              <a:ext uri="{FF2B5EF4-FFF2-40B4-BE49-F238E27FC236}">
-                <a16:creationId xmlns:a16="http://schemas.microsoft.com/office/drawing/2014/main" id="{567D718E-145F-C846-B3AE-C83F7B144B87}"/>
-              </a:ext>
-            </a:extLst>
-          </p:cNvPr>
+          <p:cNvPr id="6" name="Footer Placeholder 5"/>
           <p:cNvSpPr>
             <a:spLocks noGrp="1"/>
           </p:cNvSpPr>
@@ -2408,13 +2119,7 @@
       </p:sp>
       <p:sp>
         <p:nvSpPr>
-          <p:cNvPr id="7" name="Slide Number Placeholder 6">
-            <a:extLst>
-              <a:ext uri="{FF2B5EF4-FFF2-40B4-BE49-F238E27FC236}">
-                <a16:creationId xmlns:a16="http://schemas.microsoft.com/office/drawing/2014/main" id="{0BA46B2A-5725-2F46-9625-FC17BE17FB6D}"/>
-              </a:ext>
-            </a:extLst>
-          </p:cNvPr>
+          <p:cNvPr id="7" name="Slide Number Placeholder 6"/>
           <p:cNvSpPr>
             <a:spLocks noGrp="1"/>
           </p:cNvSpPr>
@@ -2438,7 +2143,7 @@
     </p:spTree>
     <p:extLst>
       <p:ext uri="{BB962C8B-B14F-4D97-AF65-F5344CB8AC3E}">
-        <p14:creationId xmlns:p14="http://schemas.microsoft.com/office/powerpoint/2010/main" val="1521795400"/>
+        <p14:creationId xmlns:p14="http://schemas.microsoft.com/office/powerpoint/2010/main" val="3086193466"/>
       </p:ext>
     </p:extLst>
   </p:cSld>
@@ -2467,13 +2172,7 @@
       </p:grpSpPr>
       <p:sp>
         <p:nvSpPr>
-          <p:cNvPr id="2" name="Title 1">
-            <a:extLst>
-              <a:ext uri="{FF2B5EF4-FFF2-40B4-BE49-F238E27FC236}">
-                <a16:creationId xmlns:a16="http://schemas.microsoft.com/office/drawing/2014/main" id="{E892DF80-0EA1-844B-A10A-47FFD84A5B54}"/>
-              </a:ext>
-            </a:extLst>
-          </p:cNvPr>
+          <p:cNvPr id="2" name="Title 1"/>
           <p:cNvSpPr>
             <a:spLocks noGrp="1"/>
           </p:cNvSpPr>
@@ -2483,15 +2182,15 @@
         </p:nvSpPr>
         <p:spPr>
           <a:xfrm>
-            <a:off x="839788" y="457200"/>
-            <a:ext cx="3932237" cy="1600200"/>
+            <a:off x="472381" y="457200"/>
+            <a:ext cx="2211884" cy="1600200"/>
           </a:xfrm>
         </p:spPr>
         <p:txBody>
           <a:bodyPr anchor="b"/>
           <a:lstStyle>
             <a:lvl1pPr>
-              <a:defRPr sz="3200"/>
+              <a:defRPr sz="2400"/>
             </a:lvl1pPr>
           </a:lstStyle>
           <a:p>
@@ -2499,20 +2198,15 @@
               <a:rPr lang="en-US"/>
               <a:t>Click to edit Master title style</a:t>
             </a:r>
-          </a:p>
-        </p:txBody>
-      </p:sp>
-      <p:sp>
-        <p:nvSpPr>
-          <p:cNvPr id="3" name="Picture Placeholder 2">
-            <a:extLst>
-              <a:ext uri="{FF2B5EF4-FFF2-40B4-BE49-F238E27FC236}">
-                <a16:creationId xmlns:a16="http://schemas.microsoft.com/office/drawing/2014/main" id="{5BED0807-9234-484E-B8BD-4F29AB5C682D}"/>
-              </a:ext>
-            </a:extLst>
-          </p:cNvPr>
-          <p:cNvSpPr>
-            <a:spLocks noGrp="1"/>
+            <a:endParaRPr lang="en-US" dirty="0"/>
+          </a:p>
+        </p:txBody>
+      </p:sp>
+      <p:sp>
+        <p:nvSpPr>
+          <p:cNvPr id="3" name="Picture Placeholder 2"/>
+          <p:cNvSpPr>
+            <a:spLocks noGrp="1" noChangeAspect="1"/>
           </p:cNvSpPr>
           <p:nvPr>
             <p:ph type="pic" idx="1"/>
@@ -2520,64 +2214,62 @@
         </p:nvSpPr>
         <p:spPr>
           <a:xfrm>
-            <a:off x="5183188" y="987425"/>
-            <a:ext cx="6172200" cy="4873625"/>
+            <a:off x="2915543" y="987427"/>
+            <a:ext cx="3471863" cy="4873625"/>
           </a:xfrm>
         </p:spPr>
         <p:txBody>
-          <a:bodyPr/>
+          <a:bodyPr anchor="t"/>
           <a:lstStyle>
             <a:lvl1pPr marL="0" indent="0">
               <a:buNone/>
-              <a:defRPr sz="3200"/>
+              <a:defRPr sz="2400"/>
             </a:lvl1pPr>
-            <a:lvl2pPr marL="457200" indent="0">
-              <a:buNone/>
-              <a:defRPr sz="2800"/>
+            <a:lvl2pPr marL="342900" indent="0">
+              <a:buNone/>
+              <a:defRPr sz="2100"/>
             </a:lvl2pPr>
-            <a:lvl3pPr marL="914400" indent="0">
-              <a:buNone/>
-              <a:defRPr sz="2400"/>
+            <a:lvl3pPr marL="685800" indent="0">
+              <a:buNone/>
+              <a:defRPr sz="1800"/>
             </a:lvl3pPr>
-            <a:lvl4pPr marL="1371600" indent="0">
-              <a:buNone/>
-              <a:defRPr sz="2000"/>
+            <a:lvl4pPr marL="1028700" indent="0">
+              <a:buNone/>
+              <a:defRPr sz="1500"/>
             </a:lvl4pPr>
-            <a:lvl5pPr marL="1828800" indent="0">
-              <a:buNone/>
-              <a:defRPr sz="2000"/>
+            <a:lvl5pPr marL="1371600" indent="0">
+              <a:buNone/>
+              <a:defRPr sz="1500"/>
             </a:lvl5pPr>
-            <a:lvl6pPr marL="2286000" indent="0">
-              <a:buNone/>
-              <a:defRPr sz="2000"/>
+            <a:lvl6pPr marL="1714500" indent="0">
+              <a:buNone/>
+              <a:defRPr sz="1500"/>
             </a:lvl6pPr>
-            <a:lvl7pPr marL="2743200" indent="0">
-              <a:buNone/>
-              <a:defRPr sz="2000"/>
+            <a:lvl7pPr marL="2057400" indent="0">
+              <a:buNone/>
+              <a:defRPr sz="1500"/>
             </a:lvl7pPr>
-            <a:lvl8pPr marL="3200400" indent="0">
-              <a:buNone/>
-              <a:defRPr sz="2000"/>
+            <a:lvl8pPr marL="2400300" indent="0">
+              <a:buNone/>
+              <a:defRPr sz="1500"/>
             </a:lvl8pPr>
-            <a:lvl9pPr marL="3657600" indent="0">
-              <a:buNone/>
-              <a:defRPr sz="2000"/>
+            <a:lvl9pPr marL="2743200" indent="0">
+              <a:buNone/>
+              <a:defRPr sz="1500"/>
             </a:lvl9pPr>
           </a:lstStyle>
           <a:p>
-            <a:endParaRPr lang="en-US"/>
-          </a:p>
-        </p:txBody>
-      </p:sp>
-      <p:sp>
-        <p:nvSpPr>
-          <p:cNvPr id="4" name="Text Placeholder 3">
-            <a:extLst>
-              <a:ext uri="{FF2B5EF4-FFF2-40B4-BE49-F238E27FC236}">
-                <a16:creationId xmlns:a16="http://schemas.microsoft.com/office/drawing/2014/main" id="{02CA90D4-4D68-1244-BF86-01BC74AEDC02}"/>
-              </a:ext>
-            </a:extLst>
-          </p:cNvPr>
+            <a:r>
+              <a:rPr lang="en-US"/>
+              <a:t>Click icon to add picture</a:t>
+            </a:r>
+            <a:endParaRPr lang="en-US" dirty="0"/>
+          </a:p>
+        </p:txBody>
+      </p:sp>
+      <p:sp>
+        <p:nvSpPr>
+          <p:cNvPr id="4" name="Text Placeholder 3"/>
           <p:cNvSpPr>
             <a:spLocks noGrp="1"/>
           </p:cNvSpPr>
@@ -2587,8 +2279,8 @@
         </p:nvSpPr>
         <p:spPr>
           <a:xfrm>
-            <a:off x="839788" y="2057400"/>
-            <a:ext cx="3932237" cy="3811588"/>
+            <a:off x="472381" y="2057400"/>
+            <a:ext cx="2211884" cy="3811588"/>
           </a:xfrm>
         </p:spPr>
         <p:txBody>
@@ -2596,39 +2288,39 @@
           <a:lstStyle>
             <a:lvl1pPr marL="0" indent="0">
               <a:buNone/>
-              <a:defRPr sz="1600"/>
+              <a:defRPr sz="1200"/>
             </a:lvl1pPr>
-            <a:lvl2pPr marL="457200" indent="0">
-              <a:buNone/>
-              <a:defRPr sz="1400"/>
+            <a:lvl2pPr marL="342900" indent="0">
+              <a:buNone/>
+              <a:defRPr sz="1050"/>
             </a:lvl2pPr>
-            <a:lvl3pPr marL="914400" indent="0">
-              <a:buNone/>
-              <a:defRPr sz="1200"/>
+            <a:lvl3pPr marL="685800" indent="0">
+              <a:buNone/>
+              <a:defRPr sz="900"/>
             </a:lvl3pPr>
-            <a:lvl4pPr marL="1371600" indent="0">
-              <a:buNone/>
-              <a:defRPr sz="1000"/>
+            <a:lvl4pPr marL="1028700" indent="0">
+              <a:buNone/>
+              <a:defRPr sz="750"/>
             </a:lvl4pPr>
-            <a:lvl5pPr marL="1828800" indent="0">
-              <a:buNone/>
-              <a:defRPr sz="1000"/>
+            <a:lvl5pPr marL="1371600" indent="0">
+              <a:buNone/>
+              <a:defRPr sz="750"/>
             </a:lvl5pPr>
-            <a:lvl6pPr marL="2286000" indent="0">
-              <a:buNone/>
-              <a:defRPr sz="1000"/>
+            <a:lvl6pPr marL="1714500" indent="0">
+              <a:buNone/>
+              <a:defRPr sz="750"/>
             </a:lvl6pPr>
-            <a:lvl7pPr marL="2743200" indent="0">
-              <a:buNone/>
-              <a:defRPr sz="1000"/>
+            <a:lvl7pPr marL="2057400" indent="0">
+              <a:buNone/>
+              <a:defRPr sz="750"/>
             </a:lvl7pPr>
-            <a:lvl8pPr marL="3200400" indent="0">
-              <a:buNone/>
-              <a:defRPr sz="1000"/>
+            <a:lvl8pPr marL="2400300" indent="0">
+              <a:buNone/>
+              <a:defRPr sz="750"/>
             </a:lvl8pPr>
-            <a:lvl9pPr marL="3657600" indent="0">
-              <a:buNone/>
-              <a:defRPr sz="1000"/>
+            <a:lvl9pPr marL="2743200" indent="0">
+              <a:buNone/>
+              <a:defRPr sz="750"/>
             </a:lvl9pPr>
           </a:lstStyle>
           <a:p>
@@ -2642,13 +2334,7 @@
       </p:sp>
       <p:sp>
         <p:nvSpPr>
-          <p:cNvPr id="5" name="Date Placeholder 4">
-            <a:extLst>
-              <a:ext uri="{FF2B5EF4-FFF2-40B4-BE49-F238E27FC236}">
-                <a16:creationId xmlns:a16="http://schemas.microsoft.com/office/drawing/2014/main" id="{E66B6F7E-C18F-314C-B6E8-4C444BDFA440}"/>
-              </a:ext>
-            </a:extLst>
-          </p:cNvPr>
+          <p:cNvPr id="5" name="Date Placeholder 4"/>
           <p:cNvSpPr>
             <a:spLocks noGrp="1"/>
           </p:cNvSpPr>
@@ -2671,13 +2357,7 @@
       </p:sp>
       <p:sp>
         <p:nvSpPr>
-          <p:cNvPr id="6" name="Footer Placeholder 5">
-            <a:extLst>
-              <a:ext uri="{FF2B5EF4-FFF2-40B4-BE49-F238E27FC236}">
-                <a16:creationId xmlns:a16="http://schemas.microsoft.com/office/drawing/2014/main" id="{88FA06DD-17FA-F446-8628-4315018769EA}"/>
-              </a:ext>
-            </a:extLst>
-          </p:cNvPr>
+          <p:cNvPr id="6" name="Footer Placeholder 5"/>
           <p:cNvSpPr>
             <a:spLocks noGrp="1"/>
           </p:cNvSpPr>
@@ -2696,13 +2376,7 @@
       </p:sp>
       <p:sp>
         <p:nvSpPr>
-          <p:cNvPr id="7" name="Slide Number Placeholder 6">
-            <a:extLst>
-              <a:ext uri="{FF2B5EF4-FFF2-40B4-BE49-F238E27FC236}">
-                <a16:creationId xmlns:a16="http://schemas.microsoft.com/office/drawing/2014/main" id="{26341475-918D-2F46-A34A-0AAED2112F15}"/>
-              </a:ext>
-            </a:extLst>
-          </p:cNvPr>
+          <p:cNvPr id="7" name="Slide Number Placeholder 6"/>
           <p:cNvSpPr>
             <a:spLocks noGrp="1"/>
           </p:cNvSpPr>
@@ -2726,7 +2400,7 @@
     </p:spTree>
     <p:extLst>
       <p:ext uri="{BB962C8B-B14F-4D97-AF65-F5344CB8AC3E}">
-        <p14:creationId xmlns:p14="http://schemas.microsoft.com/office/powerpoint/2010/main" val="1469319011"/>
+        <p14:creationId xmlns:p14="http://schemas.microsoft.com/office/powerpoint/2010/main" val="1167414644"/>
       </p:ext>
     </p:extLst>
   </p:cSld>
@@ -2760,13 +2434,7 @@
       </p:grpSpPr>
       <p:sp>
         <p:nvSpPr>
-          <p:cNvPr id="2" name="Title Placeholder 1">
-            <a:extLst>
-              <a:ext uri="{FF2B5EF4-FFF2-40B4-BE49-F238E27FC236}">
-                <a16:creationId xmlns:a16="http://schemas.microsoft.com/office/drawing/2014/main" id="{31FC4A6E-5DFC-B544-B112-7CF9479857CD}"/>
-              </a:ext>
-            </a:extLst>
-          </p:cNvPr>
+          <p:cNvPr id="2" name="Title Placeholder 1"/>
           <p:cNvSpPr>
             <a:spLocks noGrp="1"/>
           </p:cNvSpPr>
@@ -2776,8 +2444,8 @@
         </p:nvSpPr>
         <p:spPr>
           <a:xfrm>
-            <a:off x="838200" y="365125"/>
-            <a:ext cx="10515600" cy="1325563"/>
+            <a:off x="471488" y="365127"/>
+            <a:ext cx="5915025" cy="1325563"/>
           </a:xfrm>
           <a:prstGeom prst="rect">
             <a:avLst/>
@@ -2793,18 +2461,13 @@
               <a:rPr lang="en-US"/>
               <a:t>Click to edit Master title style</a:t>
             </a:r>
-          </a:p>
-        </p:txBody>
-      </p:sp>
-      <p:sp>
-        <p:nvSpPr>
-          <p:cNvPr id="3" name="Text Placeholder 2">
-            <a:extLst>
-              <a:ext uri="{FF2B5EF4-FFF2-40B4-BE49-F238E27FC236}">
-                <a16:creationId xmlns:a16="http://schemas.microsoft.com/office/drawing/2014/main" id="{DE3595E6-3D60-8648-BC79-B951E16F7932}"/>
-              </a:ext>
-            </a:extLst>
-          </p:cNvPr>
+            <a:endParaRPr lang="en-US" dirty="0"/>
+          </a:p>
+        </p:txBody>
+      </p:sp>
+      <p:sp>
+        <p:nvSpPr>
+          <p:cNvPr id="3" name="Text Placeholder 2"/>
           <p:cNvSpPr>
             <a:spLocks noGrp="1"/>
           </p:cNvSpPr>
@@ -2814,8 +2477,8 @@
         </p:nvSpPr>
         <p:spPr>
           <a:xfrm>
-            <a:off x="838200" y="1825625"/>
-            <a:ext cx="10515600" cy="4351338"/>
+            <a:off x="471488" y="1825625"/>
+            <a:ext cx="5915025" cy="4351338"/>
           </a:xfrm>
           <a:prstGeom prst="rect">
             <a:avLst/>
@@ -2860,18 +2523,13 @@
               <a:rPr lang="en-US"/>
               <a:t>Fifth level</a:t>
             </a:r>
-          </a:p>
-        </p:txBody>
-      </p:sp>
-      <p:sp>
-        <p:nvSpPr>
-          <p:cNvPr id="4" name="Date Placeholder 3">
-            <a:extLst>
-              <a:ext uri="{FF2B5EF4-FFF2-40B4-BE49-F238E27FC236}">
-                <a16:creationId xmlns:a16="http://schemas.microsoft.com/office/drawing/2014/main" id="{84E060FA-35B7-E94E-BC66-2EA3AFCC44CD}"/>
-              </a:ext>
-            </a:extLst>
-          </p:cNvPr>
+            <a:endParaRPr lang="en-US" dirty="0"/>
+          </a:p>
+        </p:txBody>
+      </p:sp>
+      <p:sp>
+        <p:nvSpPr>
+          <p:cNvPr id="4" name="Date Placeholder 3"/>
           <p:cNvSpPr>
             <a:spLocks noGrp="1"/>
           </p:cNvSpPr>
@@ -2881,8 +2539,8 @@
         </p:nvSpPr>
         <p:spPr>
           <a:xfrm>
-            <a:off x="838200" y="6356350"/>
-            <a:ext cx="2743200" cy="365125"/>
+            <a:off x="471488" y="6356352"/>
+            <a:ext cx="1543050" cy="365125"/>
           </a:xfrm>
           <a:prstGeom prst="rect">
             <a:avLst/>
@@ -2892,7 +2550,7 @@
           <a:bodyPr vert="horz" lIns="91440" tIns="45720" rIns="91440" bIns="45720" rtlCol="0" anchor="ctr"/>
           <a:lstStyle>
             <a:lvl1pPr algn="l">
-              <a:defRPr sz="1200">
+              <a:defRPr sz="900">
                 <a:solidFill>
                   <a:schemeClr val="tx1">
                     <a:tint val="75000"/>
@@ -2912,13 +2570,7 @@
       </p:sp>
       <p:sp>
         <p:nvSpPr>
-          <p:cNvPr id="5" name="Footer Placeholder 4">
-            <a:extLst>
-              <a:ext uri="{FF2B5EF4-FFF2-40B4-BE49-F238E27FC236}">
-                <a16:creationId xmlns:a16="http://schemas.microsoft.com/office/drawing/2014/main" id="{E6228DD8-6E76-5A42-808E-B6ABD776E3E6}"/>
-              </a:ext>
-            </a:extLst>
-          </p:cNvPr>
+          <p:cNvPr id="5" name="Footer Placeholder 4"/>
           <p:cNvSpPr>
             <a:spLocks noGrp="1"/>
           </p:cNvSpPr>
@@ -2928,8 +2580,8 @@
         </p:nvSpPr>
         <p:spPr>
           <a:xfrm>
-            <a:off x="4038600" y="6356350"/>
-            <a:ext cx="4114800" cy="365125"/>
+            <a:off x="2271713" y="6356352"/>
+            <a:ext cx="2314575" cy="365125"/>
           </a:xfrm>
           <a:prstGeom prst="rect">
             <a:avLst/>
@@ -2939,7 +2591,7 @@
           <a:bodyPr vert="horz" lIns="91440" tIns="45720" rIns="91440" bIns="45720" rtlCol="0" anchor="ctr"/>
           <a:lstStyle>
             <a:lvl1pPr algn="ctr">
-              <a:defRPr sz="1200">
+              <a:defRPr sz="900">
                 <a:solidFill>
                   <a:schemeClr val="tx1">
                     <a:tint val="75000"/>
@@ -2955,13 +2607,7 @@
       </p:sp>
       <p:sp>
         <p:nvSpPr>
-          <p:cNvPr id="6" name="Slide Number Placeholder 5">
-            <a:extLst>
-              <a:ext uri="{FF2B5EF4-FFF2-40B4-BE49-F238E27FC236}">
-                <a16:creationId xmlns:a16="http://schemas.microsoft.com/office/drawing/2014/main" id="{DEEB251D-7553-454E-A822-A4F4CC4E2178}"/>
-              </a:ext>
-            </a:extLst>
-          </p:cNvPr>
+          <p:cNvPr id="6" name="Slide Number Placeholder 5"/>
           <p:cNvSpPr>
             <a:spLocks noGrp="1"/>
           </p:cNvSpPr>
@@ -2971,8 +2617,8 @@
         </p:nvSpPr>
         <p:spPr>
           <a:xfrm>
-            <a:off x="8610600" y="6356350"/>
-            <a:ext cx="2743200" cy="365125"/>
+            <a:off x="4843463" y="6356352"/>
+            <a:ext cx="1543050" cy="365125"/>
           </a:xfrm>
           <a:prstGeom prst="rect">
             <a:avLst/>
@@ -2982,7 +2628,7 @@
           <a:bodyPr vert="horz" lIns="91440" tIns="45720" rIns="91440" bIns="45720" rtlCol="0" anchor="ctr"/>
           <a:lstStyle>
             <a:lvl1pPr algn="r">
-              <a:defRPr sz="1200">
+              <a:defRPr sz="900">
                 <a:solidFill>
                   <a:schemeClr val="tx1">
                     <a:tint val="75000"/>
@@ -3003,27 +2649,27 @@
     </p:spTree>
     <p:extLst>
       <p:ext uri="{BB962C8B-B14F-4D97-AF65-F5344CB8AC3E}">
-        <p14:creationId xmlns:p14="http://schemas.microsoft.com/office/powerpoint/2010/main" val="2289563244"/>
+        <p14:creationId xmlns:p14="http://schemas.microsoft.com/office/powerpoint/2010/main" val="3360706674"/>
       </p:ext>
     </p:extLst>
   </p:cSld>
   <p:clrMap bg1="lt1" tx1="dk1" bg2="lt2" tx2="dk2" accent1="accent1" accent2="accent2" accent3="accent3" accent4="accent4" accent5="accent5" accent6="accent6" hlink="hlink" folHlink="folHlink"/>
   <p:sldLayoutIdLst>
-    <p:sldLayoutId id="2147483649" r:id="rId1"/>
-    <p:sldLayoutId id="2147483650" r:id="rId2"/>
-    <p:sldLayoutId id="2147483651" r:id="rId3"/>
-    <p:sldLayoutId id="2147483652" r:id="rId4"/>
-    <p:sldLayoutId id="2147483653" r:id="rId5"/>
-    <p:sldLayoutId id="2147483654" r:id="rId6"/>
-    <p:sldLayoutId id="2147483655" r:id="rId7"/>
-    <p:sldLayoutId id="2147483656" r:id="rId8"/>
-    <p:sldLayoutId id="2147483657" r:id="rId9"/>
-    <p:sldLayoutId id="2147483658" r:id="rId10"/>
-    <p:sldLayoutId id="2147483659" r:id="rId11"/>
+    <p:sldLayoutId id="2147483661" r:id="rId1"/>
+    <p:sldLayoutId id="2147483662" r:id="rId2"/>
+    <p:sldLayoutId id="2147483663" r:id="rId3"/>
+    <p:sldLayoutId id="2147483664" r:id="rId4"/>
+    <p:sldLayoutId id="2147483665" r:id="rId5"/>
+    <p:sldLayoutId id="2147483666" r:id="rId6"/>
+    <p:sldLayoutId id="2147483667" r:id="rId7"/>
+    <p:sldLayoutId id="2147483668" r:id="rId8"/>
+    <p:sldLayoutId id="2147483669" r:id="rId9"/>
+    <p:sldLayoutId id="2147483670" r:id="rId10"/>
+    <p:sldLayoutId id="2147483671" r:id="rId11"/>
   </p:sldLayoutIdLst>
   <p:txStyles>
     <p:titleStyle>
-      <a:lvl1pPr algn="l" defTabSz="914400" rtl="0" eaLnBrk="1" latinLnBrk="0" hangingPunct="1">
+      <a:lvl1pPr algn="l" defTabSz="685800" rtl="0" eaLnBrk="1" latinLnBrk="0" hangingPunct="1">
         <a:lnSpc>
           <a:spcPct val="90000"/>
         </a:lnSpc>
@@ -3031,7 +2677,7 @@
           <a:spcPct val="0"/>
         </a:spcBef>
         <a:buNone/>
-        <a:defRPr sz="4400" kern="1200">
+        <a:defRPr sz="3300" kern="1200">
           <a:solidFill>
             <a:schemeClr val="tx1"/>
           </a:solidFill>
@@ -3042,16 +2688,16 @@
       </a:lvl1pPr>
     </p:titleStyle>
     <p:bodyStyle>
-      <a:lvl1pPr marL="228600" indent="-228600" algn="l" defTabSz="914400" rtl="0" eaLnBrk="1" latinLnBrk="0" hangingPunct="1">
+      <a:lvl1pPr marL="171450" indent="-171450" algn="l" defTabSz="685800" rtl="0" eaLnBrk="1" latinLnBrk="0" hangingPunct="1">
         <a:lnSpc>
           <a:spcPct val="90000"/>
         </a:lnSpc>
         <a:spcBef>
-          <a:spcPts val="1000"/>
+          <a:spcPts val="750"/>
         </a:spcBef>
         <a:buFont typeface="Arial" panose="020B0604020202020204" pitchFamily="34" charset="0"/>
         <a:buChar char="•"/>
-        <a:defRPr sz="2800" kern="1200">
+        <a:defRPr sz="2100" kern="1200">
           <a:solidFill>
             <a:schemeClr val="tx1"/>
           </a:solidFill>
@@ -3060,48 +2706,12 @@
           <a:cs typeface="+mn-cs"/>
         </a:defRPr>
       </a:lvl1pPr>
-      <a:lvl2pPr marL="685800" indent="-228600" algn="l" defTabSz="914400" rtl="0" eaLnBrk="1" latinLnBrk="0" hangingPunct="1">
+      <a:lvl2pPr marL="514350" indent="-171450" algn="l" defTabSz="685800" rtl="0" eaLnBrk="1" latinLnBrk="0" hangingPunct="1">
         <a:lnSpc>
           <a:spcPct val="90000"/>
         </a:lnSpc>
         <a:spcBef>
-          <a:spcPts val="500"/>
-        </a:spcBef>
-        <a:buFont typeface="Arial" panose="020B0604020202020204" pitchFamily="34" charset="0"/>
-        <a:buChar char="•"/>
-        <a:defRPr sz="2400" kern="1200">
-          <a:solidFill>
-            <a:schemeClr val="tx1"/>
-          </a:solidFill>
-          <a:latin typeface="+mn-lt"/>
-          <a:ea typeface="+mn-ea"/>
-          <a:cs typeface="+mn-cs"/>
-        </a:defRPr>
-      </a:lvl2pPr>
-      <a:lvl3pPr marL="1143000" indent="-228600" algn="l" defTabSz="914400" rtl="0" eaLnBrk="1" latinLnBrk="0" hangingPunct="1">
-        <a:lnSpc>
-          <a:spcPct val="90000"/>
-        </a:lnSpc>
-        <a:spcBef>
-          <a:spcPts val="500"/>
-        </a:spcBef>
-        <a:buFont typeface="Arial" panose="020B0604020202020204" pitchFamily="34" charset="0"/>
-        <a:buChar char="•"/>
-        <a:defRPr sz="2000" kern="1200">
-          <a:solidFill>
-            <a:schemeClr val="tx1"/>
-          </a:solidFill>
-          <a:latin typeface="+mn-lt"/>
-          <a:ea typeface="+mn-ea"/>
-          <a:cs typeface="+mn-cs"/>
-        </a:defRPr>
-      </a:lvl3pPr>
-      <a:lvl4pPr marL="1600200" indent="-228600" algn="l" defTabSz="914400" rtl="0" eaLnBrk="1" latinLnBrk="0" hangingPunct="1">
-        <a:lnSpc>
-          <a:spcPct val="90000"/>
-        </a:lnSpc>
-        <a:spcBef>
-          <a:spcPts val="500"/>
+          <a:spcPts val="375"/>
         </a:spcBef>
         <a:buFont typeface="Arial" panose="020B0604020202020204" pitchFamily="34" charset="0"/>
         <a:buChar char="•"/>
@@ -3113,17 +2723,53 @@
           <a:ea typeface="+mn-ea"/>
           <a:cs typeface="+mn-cs"/>
         </a:defRPr>
-      </a:lvl4pPr>
-      <a:lvl5pPr marL="2057400" indent="-228600" algn="l" defTabSz="914400" rtl="0" eaLnBrk="1" latinLnBrk="0" hangingPunct="1">
+      </a:lvl2pPr>
+      <a:lvl3pPr marL="857250" indent="-171450" algn="l" defTabSz="685800" rtl="0" eaLnBrk="1" latinLnBrk="0" hangingPunct="1">
         <a:lnSpc>
           <a:spcPct val="90000"/>
         </a:lnSpc>
         <a:spcBef>
-          <a:spcPts val="500"/>
+          <a:spcPts val="375"/>
         </a:spcBef>
         <a:buFont typeface="Arial" panose="020B0604020202020204" pitchFamily="34" charset="0"/>
         <a:buChar char="•"/>
-        <a:defRPr sz="1800" kern="1200">
+        <a:defRPr sz="1500" kern="1200">
+          <a:solidFill>
+            <a:schemeClr val="tx1"/>
+          </a:solidFill>
+          <a:latin typeface="+mn-lt"/>
+          <a:ea typeface="+mn-ea"/>
+          <a:cs typeface="+mn-cs"/>
+        </a:defRPr>
+      </a:lvl3pPr>
+      <a:lvl4pPr marL="1200150" indent="-171450" algn="l" defTabSz="685800" rtl="0" eaLnBrk="1" latinLnBrk="0" hangingPunct="1">
+        <a:lnSpc>
+          <a:spcPct val="90000"/>
+        </a:lnSpc>
+        <a:spcBef>
+          <a:spcPts val="375"/>
+        </a:spcBef>
+        <a:buFont typeface="Arial" panose="020B0604020202020204" pitchFamily="34" charset="0"/>
+        <a:buChar char="•"/>
+        <a:defRPr sz="1350" kern="1200">
+          <a:solidFill>
+            <a:schemeClr val="tx1"/>
+          </a:solidFill>
+          <a:latin typeface="+mn-lt"/>
+          <a:ea typeface="+mn-ea"/>
+          <a:cs typeface="+mn-cs"/>
+        </a:defRPr>
+      </a:lvl4pPr>
+      <a:lvl5pPr marL="1543050" indent="-171450" algn="l" defTabSz="685800" rtl="0" eaLnBrk="1" latinLnBrk="0" hangingPunct="1">
+        <a:lnSpc>
+          <a:spcPct val="90000"/>
+        </a:lnSpc>
+        <a:spcBef>
+          <a:spcPts val="375"/>
+        </a:spcBef>
+        <a:buFont typeface="Arial" panose="020B0604020202020204" pitchFamily="34" charset="0"/>
+        <a:buChar char="•"/>
+        <a:defRPr sz="1350" kern="1200">
           <a:solidFill>
             <a:schemeClr val="tx1"/>
           </a:solidFill>
@@ -3132,16 +2778,16 @@
           <a:cs typeface="+mn-cs"/>
         </a:defRPr>
       </a:lvl5pPr>
-      <a:lvl6pPr marL="2514600" indent="-228600" algn="l" defTabSz="914400" rtl="0" eaLnBrk="1" latinLnBrk="0" hangingPunct="1">
+      <a:lvl6pPr marL="1885950" indent="-171450" algn="l" defTabSz="685800" rtl="0" eaLnBrk="1" latinLnBrk="0" hangingPunct="1">
         <a:lnSpc>
           <a:spcPct val="90000"/>
         </a:lnSpc>
         <a:spcBef>
-          <a:spcPts val="500"/>
+          <a:spcPts val="375"/>
         </a:spcBef>
         <a:buFont typeface="Arial" panose="020B0604020202020204" pitchFamily="34" charset="0"/>
         <a:buChar char="•"/>
-        <a:defRPr sz="1800" kern="1200">
+        <a:defRPr sz="1350" kern="1200">
           <a:solidFill>
             <a:schemeClr val="tx1"/>
           </a:solidFill>
@@ -3150,16 +2796,16 @@
           <a:cs typeface="+mn-cs"/>
         </a:defRPr>
       </a:lvl6pPr>
-      <a:lvl7pPr marL="2971800" indent="-228600" algn="l" defTabSz="914400" rtl="0" eaLnBrk="1" latinLnBrk="0" hangingPunct="1">
+      <a:lvl7pPr marL="2228850" indent="-171450" algn="l" defTabSz="685800" rtl="0" eaLnBrk="1" latinLnBrk="0" hangingPunct="1">
         <a:lnSpc>
           <a:spcPct val="90000"/>
         </a:lnSpc>
         <a:spcBef>
-          <a:spcPts val="500"/>
+          <a:spcPts val="375"/>
         </a:spcBef>
         <a:buFont typeface="Arial" panose="020B0604020202020204" pitchFamily="34" charset="0"/>
         <a:buChar char="•"/>
-        <a:defRPr sz="1800" kern="1200">
+        <a:defRPr sz="1350" kern="1200">
           <a:solidFill>
             <a:schemeClr val="tx1"/>
           </a:solidFill>
@@ -3168,16 +2814,16 @@
           <a:cs typeface="+mn-cs"/>
         </a:defRPr>
       </a:lvl7pPr>
-      <a:lvl8pPr marL="3429000" indent="-228600" algn="l" defTabSz="914400" rtl="0" eaLnBrk="1" latinLnBrk="0" hangingPunct="1">
+      <a:lvl8pPr marL="2571750" indent="-171450" algn="l" defTabSz="685800" rtl="0" eaLnBrk="1" latinLnBrk="0" hangingPunct="1">
         <a:lnSpc>
           <a:spcPct val="90000"/>
         </a:lnSpc>
         <a:spcBef>
-          <a:spcPts val="500"/>
+          <a:spcPts val="375"/>
         </a:spcBef>
         <a:buFont typeface="Arial" panose="020B0604020202020204" pitchFamily="34" charset="0"/>
         <a:buChar char="•"/>
-        <a:defRPr sz="1800" kern="1200">
+        <a:defRPr sz="1350" kern="1200">
           <a:solidFill>
             <a:schemeClr val="tx1"/>
           </a:solidFill>
@@ -3186,16 +2832,16 @@
           <a:cs typeface="+mn-cs"/>
         </a:defRPr>
       </a:lvl8pPr>
-      <a:lvl9pPr marL="3886200" indent="-228600" algn="l" defTabSz="914400" rtl="0" eaLnBrk="1" latinLnBrk="0" hangingPunct="1">
+      <a:lvl9pPr marL="2914650" indent="-171450" algn="l" defTabSz="685800" rtl="0" eaLnBrk="1" latinLnBrk="0" hangingPunct="1">
         <a:lnSpc>
           <a:spcPct val="90000"/>
         </a:lnSpc>
         <a:spcBef>
-          <a:spcPts val="500"/>
+          <a:spcPts val="375"/>
         </a:spcBef>
         <a:buFont typeface="Arial" panose="020B0604020202020204" pitchFamily="34" charset="0"/>
         <a:buChar char="•"/>
-        <a:defRPr sz="1800" kern="1200">
+        <a:defRPr sz="1350" kern="1200">
           <a:solidFill>
             <a:schemeClr val="tx1"/>
           </a:solidFill>
@@ -3209,8 +2855,8 @@
       <a:defPPr>
         <a:defRPr lang="en-US"/>
       </a:defPPr>
-      <a:lvl1pPr marL="0" algn="l" defTabSz="914400" rtl="0" eaLnBrk="1" latinLnBrk="0" hangingPunct="1">
-        <a:defRPr sz="1800" kern="1200">
+      <a:lvl1pPr marL="0" algn="l" defTabSz="685800" rtl="0" eaLnBrk="1" latinLnBrk="0" hangingPunct="1">
+        <a:defRPr sz="1350" kern="1200">
           <a:solidFill>
             <a:schemeClr val="tx1"/>
           </a:solidFill>
@@ -3219,8 +2865,8 @@
           <a:cs typeface="+mn-cs"/>
         </a:defRPr>
       </a:lvl1pPr>
-      <a:lvl2pPr marL="457200" algn="l" defTabSz="914400" rtl="0" eaLnBrk="1" latinLnBrk="0" hangingPunct="1">
-        <a:defRPr sz="1800" kern="1200">
+      <a:lvl2pPr marL="342900" algn="l" defTabSz="685800" rtl="0" eaLnBrk="1" latinLnBrk="0" hangingPunct="1">
+        <a:defRPr sz="1350" kern="1200">
           <a:solidFill>
             <a:schemeClr val="tx1"/>
           </a:solidFill>
@@ -3229,8 +2875,8 @@
           <a:cs typeface="+mn-cs"/>
         </a:defRPr>
       </a:lvl2pPr>
-      <a:lvl3pPr marL="914400" algn="l" defTabSz="914400" rtl="0" eaLnBrk="1" latinLnBrk="0" hangingPunct="1">
-        <a:defRPr sz="1800" kern="1200">
+      <a:lvl3pPr marL="685800" algn="l" defTabSz="685800" rtl="0" eaLnBrk="1" latinLnBrk="0" hangingPunct="1">
+        <a:defRPr sz="1350" kern="1200">
           <a:solidFill>
             <a:schemeClr val="tx1"/>
           </a:solidFill>
@@ -3239,8 +2885,8 @@
           <a:cs typeface="+mn-cs"/>
         </a:defRPr>
       </a:lvl3pPr>
-      <a:lvl4pPr marL="1371600" algn="l" defTabSz="914400" rtl="0" eaLnBrk="1" latinLnBrk="0" hangingPunct="1">
-        <a:defRPr sz="1800" kern="1200">
+      <a:lvl4pPr marL="1028700" algn="l" defTabSz="685800" rtl="0" eaLnBrk="1" latinLnBrk="0" hangingPunct="1">
+        <a:defRPr sz="1350" kern="1200">
           <a:solidFill>
             <a:schemeClr val="tx1"/>
           </a:solidFill>
@@ -3249,8 +2895,8 @@
           <a:cs typeface="+mn-cs"/>
         </a:defRPr>
       </a:lvl4pPr>
-      <a:lvl5pPr marL="1828800" algn="l" defTabSz="914400" rtl="0" eaLnBrk="1" latinLnBrk="0" hangingPunct="1">
-        <a:defRPr sz="1800" kern="1200">
+      <a:lvl5pPr marL="1371600" algn="l" defTabSz="685800" rtl="0" eaLnBrk="1" latinLnBrk="0" hangingPunct="1">
+        <a:defRPr sz="1350" kern="1200">
           <a:solidFill>
             <a:schemeClr val="tx1"/>
           </a:solidFill>
@@ -3259,8 +2905,8 @@
           <a:cs typeface="+mn-cs"/>
         </a:defRPr>
       </a:lvl5pPr>
-      <a:lvl6pPr marL="2286000" algn="l" defTabSz="914400" rtl="0" eaLnBrk="1" latinLnBrk="0" hangingPunct="1">
-        <a:defRPr sz="1800" kern="1200">
+      <a:lvl6pPr marL="1714500" algn="l" defTabSz="685800" rtl="0" eaLnBrk="1" latinLnBrk="0" hangingPunct="1">
+        <a:defRPr sz="1350" kern="1200">
           <a:solidFill>
             <a:schemeClr val="tx1"/>
           </a:solidFill>
@@ -3269,8 +2915,8 @@
           <a:cs typeface="+mn-cs"/>
         </a:defRPr>
       </a:lvl6pPr>
-      <a:lvl7pPr marL="2743200" algn="l" defTabSz="914400" rtl="0" eaLnBrk="1" latinLnBrk="0" hangingPunct="1">
-        <a:defRPr sz="1800" kern="1200">
+      <a:lvl7pPr marL="2057400" algn="l" defTabSz="685800" rtl="0" eaLnBrk="1" latinLnBrk="0" hangingPunct="1">
+        <a:defRPr sz="1350" kern="1200">
           <a:solidFill>
             <a:schemeClr val="tx1"/>
           </a:solidFill>
@@ -3279,8 +2925,8 @@
           <a:cs typeface="+mn-cs"/>
         </a:defRPr>
       </a:lvl7pPr>
-      <a:lvl8pPr marL="3200400" algn="l" defTabSz="914400" rtl="0" eaLnBrk="1" latinLnBrk="0" hangingPunct="1">
-        <a:defRPr sz="1800" kern="1200">
+      <a:lvl8pPr marL="2400300" algn="l" defTabSz="685800" rtl="0" eaLnBrk="1" latinLnBrk="0" hangingPunct="1">
+        <a:defRPr sz="1350" kern="1200">
           <a:solidFill>
             <a:schemeClr val="tx1"/>
           </a:solidFill>
@@ -3289,8 +2935,8 @@
           <a:cs typeface="+mn-cs"/>
         </a:defRPr>
       </a:lvl8pPr>
-      <a:lvl9pPr marL="3657600" algn="l" defTabSz="914400" rtl="0" eaLnBrk="1" latinLnBrk="0" hangingPunct="1">
-        <a:defRPr sz="1800" kern="1200">
+      <a:lvl9pPr marL="2743200" algn="l" defTabSz="685800" rtl="0" eaLnBrk="1" latinLnBrk="0" hangingPunct="1">
+        <a:defRPr sz="1350" kern="1200">
           <a:solidFill>
             <a:schemeClr val="tx1"/>
           </a:solidFill>
@@ -3343,7 +2989,7 @@
         </p:blipFill>
         <p:spPr>
           <a:xfrm>
-            <a:off x="2667000" y="0"/>
+            <a:off x="0" y="0"/>
             <a:ext cx="6858000" cy="6858000"/>
           </a:xfrm>
           <a:prstGeom prst="rect">
@@ -3373,7 +3019,7 @@
         </p:blipFill>
         <p:spPr>
           <a:xfrm>
-            <a:off x="2819400" y="152400"/>
+            <a:off x="152400" y="152400"/>
             <a:ext cx="6858000" cy="6858000"/>
           </a:xfrm>
           <a:prstGeom prst="rect">
@@ -3403,8 +3049,8 @@
         </p:blipFill>
         <p:spPr>
           <a:xfrm>
-            <a:off x="1938130" y="0"/>
-            <a:ext cx="7586870" cy="6858000"/>
+            <a:off x="196333" y="471637"/>
+            <a:ext cx="6465333" cy="5844209"/>
           </a:xfrm>
           <a:prstGeom prst="rect">
             <a:avLst/>
@@ -3425,8 +3071,8 @@
         </p:nvSpPr>
         <p:spPr>
           <a:xfrm rot="16200000">
-            <a:off x="538311" y="3124416"/>
-            <a:ext cx="3639714" cy="461665"/>
+            <a:off x="-849014" y="3198168"/>
+            <a:ext cx="2651752" cy="461665"/>
           </a:xfrm>
           <a:prstGeom prst="rect">
             <a:avLst/>
@@ -3443,7 +3089,7 @@
           <a:p>
             <a:r>
               <a:rPr lang="en-US" sz="2400" dirty="0"/>
-              <a:t>S e n s I t I v I t y  /  R e c a l l</a:t>
+              <a:t>Sensitivity  /  Recall</a:t>
             </a:r>
           </a:p>
         </p:txBody>
@@ -3462,7 +3108,7 @@
         </p:nvSpPr>
         <p:spPr>
           <a:xfrm>
-            <a:off x="4368913" y="6315845"/>
+            <a:off x="1871309" y="5847195"/>
             <a:ext cx="3076804" cy="461665"/>
           </a:xfrm>
           <a:prstGeom prst="rect">
@@ -3499,8 +3145,8 @@
         </p:nvSpPr>
         <p:spPr>
           <a:xfrm>
-            <a:off x="3850653" y="86499"/>
-            <a:ext cx="4086696" cy="461665"/>
+            <a:off x="1688599" y="188211"/>
+            <a:ext cx="3442224" cy="707886"/>
           </a:xfrm>
           <a:prstGeom prst="rect">
             <a:avLst/>
@@ -3515,9 +3161,17 @@
           </a:bodyPr>
           <a:lstStyle/>
           <a:p>
-            <a:r>
-              <a:rPr lang="en-US" sz="2400" dirty="0"/>
+            <a:pPr algn="ctr"/>
+            <a:r>
+              <a:rPr lang="en-US" sz="2000" dirty="0"/>
               <a:t>Membership  Churn  Prediction</a:t>
+            </a:r>
+          </a:p>
+          <a:p>
+            <a:pPr algn="ctr"/>
+            <a:r>
+              <a:rPr lang="en-US" sz="2000" dirty="0"/>
+              <a:t>Cross Validation Plot</a:t>
             </a:r>
           </a:p>
         </p:txBody>
@@ -3535,10 +3189,70 @@
 </p:sld>
 </file>
 
+<file path=ppt/slides/slide2.xml><?xml version="1.0" encoding="utf-8"?>
+<p:sld xmlns:a="http://schemas.openxmlformats.org/drawingml/2006/main" xmlns:r="http://schemas.openxmlformats.org/officeDocument/2006/relationships" xmlns:p="http://schemas.openxmlformats.org/presentationml/2006/main">
+  <p:cSld>
+    <p:spTree>
+      <p:nvGrpSpPr>
+        <p:cNvPr id="1" name=""/>
+        <p:cNvGrpSpPr/>
+        <p:nvPr/>
+      </p:nvGrpSpPr>
+      <p:grpSpPr>
+        <a:xfrm>
+          <a:off x="0" y="0"/>
+          <a:ext cx="0" cy="0"/>
+          <a:chOff x="0" y="0"/>
+          <a:chExt cx="0" cy="0"/>
+        </a:xfrm>
+      </p:grpSpPr>
+      <p:pic>
+        <p:nvPicPr>
+          <p:cNvPr id="4" name="Picture 3">
+            <a:extLst>
+              <a:ext uri="{FF2B5EF4-FFF2-40B4-BE49-F238E27FC236}">
+                <a16:creationId xmlns:a16="http://schemas.microsoft.com/office/drawing/2014/main" id="{91316F18-3FA9-F942-BBA4-836E16D22BC5}"/>
+              </a:ext>
+            </a:extLst>
+          </p:cNvPr>
+          <p:cNvPicPr>
+            <a:picLocks noChangeAspect="1"/>
+          </p:cNvPicPr>
+          <p:nvPr/>
+        </p:nvPicPr>
+        <p:blipFill>
+          <a:blip r:embed="rId2"/>
+          <a:stretch>
+            <a:fillRect/>
+          </a:stretch>
+        </p:blipFill>
+        <p:spPr>
+          <a:xfrm>
+            <a:off x="-609600" y="406400"/>
+            <a:ext cx="8077200" cy="6045200"/>
+          </a:xfrm>
+          <a:prstGeom prst="rect">
+            <a:avLst/>
+          </a:prstGeom>
+        </p:spPr>
+      </p:pic>
+    </p:spTree>
+    <p:extLst>
+      <p:ext uri="{BB962C8B-B14F-4D97-AF65-F5344CB8AC3E}">
+        <p14:creationId xmlns:p14="http://schemas.microsoft.com/office/powerpoint/2010/main" val="3500629574"/>
+      </p:ext>
+    </p:extLst>
+  </p:cSld>
+  <p:clrMapOvr>
+    <a:masterClrMapping/>
+  </p:clrMapOvr>
+</p:sld>
+</file>
+
 <file path=ppt/theme/theme1.xml><?xml version="1.0" encoding="utf-8"?>
 <a:theme xmlns:a="http://schemas.openxmlformats.org/drawingml/2006/main" name="Office Theme">
   <a:themeElements>
-    <a:clrScheme name="Office">
+    <a:clrScheme name="Office Theme">
       <a:dk1>
         <a:sysClr val="windowText" lastClr="000000"/>
       </a:dk1>
@@ -3576,7 +3290,7 @@
         <a:srgbClr val="954F72"/>
       </a:folHlink>
     </a:clrScheme>
-    <a:fontScheme name="Office">
+    <a:fontScheme name="Office Theme">
       <a:majorFont>
         <a:latin typeface="Calibri Light" panose="020F0302020204030204"/>
         <a:ea typeface=""/>
@@ -3611,23 +3325,6 @@
         <a:font script="Viet" typeface="Times New Roman"/>
         <a:font script="Uigh" typeface="Microsoft Uighur"/>
         <a:font script="Geor" typeface="Sylfaen"/>
-        <a:font script="Armn" typeface="Arial"/>
-        <a:font script="Bugi" typeface="Leelawadee UI"/>
-        <a:font script="Bopo" typeface="Microsoft JhengHei"/>
-        <a:font script="Java" typeface="Javanese Text"/>
-        <a:font script="Lisu" typeface="Segoe UI"/>
-        <a:font script="Mymr" typeface="Myanmar Text"/>
-        <a:font script="Nkoo" typeface="Ebrima"/>
-        <a:font script="Olck" typeface="Nirmala UI"/>
-        <a:font script="Osma" typeface="Ebrima"/>
-        <a:font script="Phag" typeface="Phagspa"/>
-        <a:font script="Syrn" typeface="Estrangelo Edessa"/>
-        <a:font script="Syrj" typeface="Estrangelo Edessa"/>
-        <a:font script="Syre" typeface="Estrangelo Edessa"/>
-        <a:font script="Sora" typeface="Nirmala UI"/>
-        <a:font script="Tale" typeface="Microsoft Tai Le"/>
-        <a:font script="Talu" typeface="Microsoft New Tai Lue"/>
-        <a:font script="Tfng" typeface="Ebrima"/>
       </a:majorFont>
       <a:minorFont>
         <a:latin typeface="Calibri" panose="020F0502020204030204"/>
@@ -3663,26 +3360,9 @@
         <a:font script="Viet" typeface="Arial"/>
         <a:font script="Uigh" typeface="Microsoft Uighur"/>
         <a:font script="Geor" typeface="Sylfaen"/>
-        <a:font script="Armn" typeface="Arial"/>
-        <a:font script="Bugi" typeface="Leelawadee UI"/>
-        <a:font script="Bopo" typeface="Microsoft JhengHei"/>
-        <a:font script="Java" typeface="Javanese Text"/>
-        <a:font script="Lisu" typeface="Segoe UI"/>
-        <a:font script="Mymr" typeface="Myanmar Text"/>
-        <a:font script="Nkoo" typeface="Ebrima"/>
-        <a:font script="Olck" typeface="Nirmala UI"/>
-        <a:font script="Osma" typeface="Ebrima"/>
-        <a:font script="Phag" typeface="Phagspa"/>
-        <a:font script="Syrn" typeface="Estrangelo Edessa"/>
-        <a:font script="Syrj" typeface="Estrangelo Edessa"/>
-        <a:font script="Syre" typeface="Estrangelo Edessa"/>
-        <a:font script="Sora" typeface="Nirmala UI"/>
-        <a:font script="Tale" typeface="Microsoft Tai Le"/>
-        <a:font script="Talu" typeface="Microsoft New Tai Lue"/>
-        <a:font script="Tfng" typeface="Ebrima"/>
       </a:minorFont>
     </a:fontScheme>
-    <a:fmtScheme name="Office">
+    <a:fmtScheme name="Office Theme">
       <a:fillStyleLst>
         <a:solidFill>
           <a:schemeClr val="phClr"/>
